--- a/report/iot_presentation3.0.pptx
+++ b/report/iot_presentation3.0.pptx
@@ -10,8 +10,8 @@
   <p:sldIdLst>
     <p:sldId id="257" r:id="rId2"/>
     <p:sldId id="278" r:id="rId3"/>
-    <p:sldId id="273" r:id="rId4"/>
-    <p:sldId id="274" r:id="rId5"/>
+    <p:sldId id="279" r:id="rId4"/>
+    <p:sldId id="280" r:id="rId5"/>
     <p:sldId id="275" r:id="rId6"/>
     <p:sldId id="276" r:id="rId7"/>
     <p:sldId id="277" r:id="rId8"/>
@@ -173,7 +173,6 @@
           </a:p>
         </c:rich>
       </c:tx>
-      <c:layout/>
       <c:overlay val="0"/>
       <c:spPr>
         <a:noFill/>
@@ -523,11 +522,11 @@
         </c:dLbls>
         <c:gapWidth val="55"/>
         <c:overlap val="100"/>
-        <c:axId val="-723706560"/>
-        <c:axId val="-622584704"/>
+        <c:axId val="-722642896"/>
+        <c:axId val="-553734592"/>
       </c:barChart>
       <c:catAx>
-        <c:axId val="-723706560"/>
+        <c:axId val="-722642896"/>
         <c:scaling>
           <c:orientation val="maxMin"/>
         </c:scaling>
@@ -570,7 +569,7 @@
             <a:endParaRPr lang="zh-CN"/>
           </a:p>
         </c:txPr>
-        <c:crossAx val="-622584704"/>
+        <c:crossAx val="-553734592"/>
         <c:crosses val="autoZero"/>
         <c:auto val="1"/>
         <c:lblAlgn val="ctr"/>
@@ -578,7 +577,7 @@
         <c:noMultiLvlLbl val="0"/>
       </c:catAx>
       <c:valAx>
-        <c:axId val="-622584704"/>
+        <c:axId val="-553734592"/>
         <c:scaling>
           <c:orientation val="minMax"/>
           <c:max val="43428.0"/>
@@ -631,7 +630,7 @@
             <a:endParaRPr lang="zh-CN"/>
           </a:p>
         </c:txPr>
-        <c:crossAx val="-723706560"/>
+        <c:crossAx val="-722642896"/>
         <c:crosses val="autoZero"/>
         <c:crossBetween val="between"/>
       </c:valAx>
@@ -10425,10 +10424,10 @@
           <p:cNvPr id="11" name="Rectangle 10">
             <a:extLst>
               <a:ext uri="{FF2B5EF4-FFF2-40B4-BE49-F238E27FC236}">
-                <a16:creationId xmlns="" xmlns:a16="http://schemas.microsoft.com/office/drawing/2014/main" id="{559AE206-7EBA-4D33-8BC9-9D8158553F0E}"/>
+                <a16:creationId xmlns:a16="http://schemas.microsoft.com/office/drawing/2014/main" xmlns="" id="{559AE206-7EBA-4D33-8BC9-9D8158553F0E}"/>
               </a:ext>
               <a:ext uri="{C183D7F6-B498-43B3-948B-1728B52AA6E4}">
-                <adec:decorative xmlns="" xmlns:adec="http://schemas.microsoft.com/office/drawing/2017/decorative" val="1"/>
+                <adec:decorative xmlns:adec="http://schemas.microsoft.com/office/drawing/2017/decorative" xmlns="" val="1"/>
               </a:ext>
             </a:extLst>
           </p:cNvPr>
@@ -10514,10 +10513,10 @@
           <p:cNvPr id="13" name="Oval 12">
             <a:extLst>
               <a:ext uri="{FF2B5EF4-FFF2-40B4-BE49-F238E27FC236}">
-                <a16:creationId xmlns="" xmlns:a16="http://schemas.microsoft.com/office/drawing/2014/main" id="{6437D937-A7F1-4011-92B4-328E5BE1B166}"/>
+                <a16:creationId xmlns:a16="http://schemas.microsoft.com/office/drawing/2014/main" xmlns="" id="{6437D937-A7F1-4011-92B4-328E5BE1B166}"/>
               </a:ext>
               <a:ext uri="{C183D7F6-B498-43B3-948B-1728B52AA6E4}">
-                <adec:decorative xmlns="" xmlns:adec="http://schemas.microsoft.com/office/drawing/2017/decorative" val="1"/>
+                <adec:decorative xmlns:adec="http://schemas.microsoft.com/office/drawing/2017/decorative" xmlns="" val="1"/>
               </a:ext>
             </a:extLst>
           </p:cNvPr>
@@ -10606,10 +10605,10 @@
           <p:cNvPr id="15" name="Oval 14">
             <a:extLst>
               <a:ext uri="{FF2B5EF4-FFF2-40B4-BE49-F238E27FC236}">
-                <a16:creationId xmlns="" xmlns:a16="http://schemas.microsoft.com/office/drawing/2014/main" id="{B672F332-AF08-46C6-94F0-77684310D7B7}"/>
+                <a16:creationId xmlns:a16="http://schemas.microsoft.com/office/drawing/2014/main" xmlns="" id="{B672F332-AF08-46C6-94F0-77684310D7B7}"/>
               </a:ext>
               <a:ext uri="{C183D7F6-B498-43B3-948B-1728B52AA6E4}">
-                <adec:decorative xmlns="" xmlns:adec="http://schemas.microsoft.com/office/drawing/2017/decorative" val="1"/>
+                <adec:decorative xmlns:adec="http://schemas.microsoft.com/office/drawing/2017/decorative" xmlns="" val="1"/>
               </a:ext>
             </a:extLst>
           </p:cNvPr>
@@ -10698,10 +10697,10 @@
           <p:cNvPr id="17" name="Oval 16">
             <a:extLst>
               <a:ext uri="{FF2B5EF4-FFF2-40B4-BE49-F238E27FC236}">
-                <a16:creationId xmlns="" xmlns:a16="http://schemas.microsoft.com/office/drawing/2014/main" id="{34244EF8-D73A-40E1-BE73-D46E6B4B04ED}"/>
+                <a16:creationId xmlns:a16="http://schemas.microsoft.com/office/drawing/2014/main" xmlns="" id="{34244EF8-D73A-40E1-BE73-D46E6B4B04ED}"/>
               </a:ext>
               <a:ext uri="{C183D7F6-B498-43B3-948B-1728B52AA6E4}">
-                <adec:decorative xmlns="" xmlns:adec="http://schemas.microsoft.com/office/drawing/2017/decorative" val="1"/>
+                <adec:decorative xmlns:adec="http://schemas.microsoft.com/office/drawing/2017/decorative" xmlns="" val="1"/>
               </a:ext>
             </a:extLst>
           </p:cNvPr>
@@ -10790,10 +10789,10 @@
           <p:cNvPr id="19" name="Freeform: Shape 18">
             <a:extLst>
               <a:ext uri="{FF2B5EF4-FFF2-40B4-BE49-F238E27FC236}">
-                <a16:creationId xmlns="" xmlns:a16="http://schemas.microsoft.com/office/drawing/2014/main" id="{AB84D7E8-4ECB-42D7-ADBF-01689B0F24AE}"/>
+                <a16:creationId xmlns:a16="http://schemas.microsoft.com/office/drawing/2014/main" xmlns="" id="{AB84D7E8-4ECB-42D7-ADBF-01689B0F24AE}"/>
               </a:ext>
               <a:ext uri="{C183D7F6-B498-43B3-948B-1728B52AA6E4}">
-                <adec:decorative xmlns="" xmlns:adec="http://schemas.microsoft.com/office/drawing/2017/decorative" val="1"/>
+                <adec:decorative xmlns:adec="http://schemas.microsoft.com/office/drawing/2017/decorative" xmlns="" val="1"/>
               </a:ext>
             </a:extLst>
           </p:cNvPr>
@@ -10945,10 +10944,10 @@
           <p:cNvPr id="21" name="Straight Connector 20">
             <a:extLst>
               <a:ext uri="{FF2B5EF4-FFF2-40B4-BE49-F238E27FC236}">
-                <a16:creationId xmlns="" xmlns:a16="http://schemas.microsoft.com/office/drawing/2014/main" id="{9E8E38ED-369A-44C2-B635-0BED0E48A6E8}"/>
+                <a16:creationId xmlns:a16="http://schemas.microsoft.com/office/drawing/2014/main" xmlns="" id="{9E8E38ED-369A-44C2-B635-0BED0E48A6E8}"/>
               </a:ext>
               <a:ext uri="{C183D7F6-B498-43B3-948B-1728B52AA6E4}">
-                <adec:decorative xmlns="" xmlns:adec="http://schemas.microsoft.com/office/drawing/2017/decorative" val="1"/>
+                <adec:decorative xmlns:adec="http://schemas.microsoft.com/office/drawing/2017/decorative" xmlns="" val="1"/>
               </a:ext>
             </a:extLst>
           </p:cNvPr>
@@ -10997,7 +10996,7 @@
           <p:cNvPr id="6" name="TextBox 5">
             <a:extLst>
               <a:ext uri="{FF2B5EF4-FFF2-40B4-BE49-F238E27FC236}">
-                <a16:creationId xmlns="" xmlns:a16="http://schemas.microsoft.com/office/drawing/2014/main" id="{22B54AF2-355A-C640-94BB-354252E5DA20}"/>
+                <a16:creationId xmlns:a16="http://schemas.microsoft.com/office/drawing/2014/main" xmlns="" id="{22B54AF2-355A-C640-94BB-354252E5DA20}"/>
               </a:ext>
             </a:extLst>
           </p:cNvPr>
@@ -11035,7 +11034,7 @@
                 <a:hlinkClick r:id="rId2" tooltip="http://umaprofessoramaluquinha.com.br/?attachment_id=1237">
                   <a:extLst>
                     <a:ext uri="{A12FA001-AC4F-418D-AE19-62706E023703}">
-                      <ahyp:hlinkClr xmlns="" xmlns:ahyp="http://schemas.microsoft.com/office/drawing/2018/hyperlinkcolor" val="tx"/>
+                      <ahyp:hlinkClr xmlns:ahyp="http://schemas.microsoft.com/office/drawing/2018/hyperlinkcolor" xmlns="" val="tx"/>
                     </a:ext>
                   </a:extLst>
                 </a:hlinkClick>
@@ -11058,7 +11057,7 @@
                 <a:hlinkClick r:id="rId3" tooltip="https://creativecommons.org/licenses/by/3.0/">
                   <a:extLst>
                     <a:ext uri="{A12FA001-AC4F-418D-AE19-62706E023703}">
-                      <ahyp:hlinkClr xmlns="" xmlns:ahyp="http://schemas.microsoft.com/office/drawing/2018/hyperlinkcolor" val="tx"/>
+                      <ahyp:hlinkClr xmlns:ahyp="http://schemas.microsoft.com/office/drawing/2018/hyperlinkcolor" xmlns="" val="tx"/>
                     </a:ext>
                   </a:extLst>
                 </a:hlinkClick>
@@ -11078,7 +11077,7 @@
           <p:cNvPr id="10" name="Title 1">
             <a:extLst>
               <a:ext uri="{FF2B5EF4-FFF2-40B4-BE49-F238E27FC236}">
-                <a16:creationId xmlns:a16="http://schemas.microsoft.com/office/drawing/2014/main" xmlns="" id="{DD775157-5AA1-384D-B45C-859A191D6F1D}"/>
+                <a16:creationId xmlns="" xmlns:a16="http://schemas.microsoft.com/office/drawing/2014/main" id="{DD775157-5AA1-384D-B45C-859A191D6F1D}"/>
               </a:ext>
             </a:extLst>
           </p:cNvPr>
@@ -11134,7 +11133,7 @@
           <p:cNvPr id="12" name="Title 1">
             <a:extLst>
               <a:ext uri="{FF2B5EF4-FFF2-40B4-BE49-F238E27FC236}">
-                <a16:creationId xmlns:a16="http://schemas.microsoft.com/office/drawing/2014/main" xmlns="" id="{22F82AA2-8A71-A548-923E-E5401694755A}"/>
+                <a16:creationId xmlns="" xmlns:a16="http://schemas.microsoft.com/office/drawing/2014/main" id="{22F82AA2-8A71-A548-923E-E5401694755A}"/>
               </a:ext>
             </a:extLst>
           </p:cNvPr>
@@ -11353,7 +11352,7 @@
           <p:cNvPr id="2" name="Title 1">
             <a:extLst>
               <a:ext uri="{FF2B5EF4-FFF2-40B4-BE49-F238E27FC236}">
-                <a16:creationId xmlns="" xmlns:a16="http://schemas.microsoft.com/office/drawing/2014/main" id="{07798674-E301-554E-9BA6-4119F55B3BAA}"/>
+                <a16:creationId xmlns:a16="http://schemas.microsoft.com/office/drawing/2014/main" xmlns="" id="{07798674-E301-554E-9BA6-4119F55B3BAA}"/>
               </a:ext>
             </a:extLst>
           </p:cNvPr>
@@ -11392,7 +11391,7 @@
           <p:cNvPr id="3" name="Content Placeholder 2">
             <a:extLst>
               <a:ext uri="{FF2B5EF4-FFF2-40B4-BE49-F238E27FC236}">
-                <a16:creationId xmlns="" xmlns:a16="http://schemas.microsoft.com/office/drawing/2014/main" id="{43E4FCF2-53F1-4C4F-A846-72FC3C457F62}"/>
+                <a16:creationId xmlns:a16="http://schemas.microsoft.com/office/drawing/2014/main" xmlns="" id="{43E4FCF2-53F1-4C4F-A846-72FC3C457F62}"/>
               </a:ext>
             </a:extLst>
           </p:cNvPr>
@@ -11521,7 +11520,7 @@
           <p:cNvPr id="2" name="Title 1">
             <a:extLst>
               <a:ext uri="{FF2B5EF4-FFF2-40B4-BE49-F238E27FC236}">
-                <a16:creationId xmlns="" xmlns:a16="http://schemas.microsoft.com/office/drawing/2014/main" id="{F668BCFA-92F5-E24D-BA3C-F8E85A091FBF}"/>
+                <a16:creationId xmlns:a16="http://schemas.microsoft.com/office/drawing/2014/main" xmlns="" id="{F668BCFA-92F5-E24D-BA3C-F8E85A091FBF}"/>
               </a:ext>
             </a:extLst>
           </p:cNvPr>
@@ -11549,12 +11548,83 @@
           </a:p>
         </p:txBody>
       </p:sp>
+      <p:sp>
+        <p:nvSpPr>
+          <p:cNvPr id="5" name="TextBox 4">
+            <a:extLst>
+              <a:ext uri="{FF2B5EF4-FFF2-40B4-BE49-F238E27FC236}">
+                <a16:creationId xmlns:a16="http://schemas.microsoft.com/office/drawing/2014/main" xmlns="" id="{5A77450D-EE40-5A40-8F97-9AB6B40FDD34}"/>
+              </a:ext>
+            </a:extLst>
+          </p:cNvPr>
+          <p:cNvSpPr txBox="1"/>
+          <p:nvPr/>
+        </p:nvSpPr>
+        <p:spPr>
+          <a:xfrm>
+            <a:off x="704335" y="1690688"/>
+            <a:ext cx="4287794" cy="2862322"/>
+          </a:xfrm>
+          <a:prstGeom prst="rect">
+            <a:avLst/>
+          </a:prstGeom>
+          <a:noFill/>
+        </p:spPr>
+        <p:txBody>
+          <a:bodyPr wrap="square" rtlCol="0">
+            <a:spAutoFit/>
+          </a:bodyPr>
+          <a:lstStyle/>
+          <a:p>
+            <a:pPr marL="342900" indent="-342900">
+              <a:buFont typeface="Arial" panose="020B0604020202020204" pitchFamily="34" charset="0"/>
+              <a:buChar char="•"/>
+            </a:pPr>
+            <a:r>
+              <a:rPr lang="en-US" sz="2000" dirty="0">
+                <a:latin typeface="Helvetica Neue" panose="02000503000000020004" pitchFamily="2" charset="0"/>
+                <a:ea typeface="Helvetica Neue" panose="02000503000000020004" pitchFamily="2" charset="0"/>
+                <a:cs typeface="Helvetica Neue" panose="02000503000000020004" pitchFamily="2" charset="0"/>
+              </a:rPr>
+              <a:t>By Using the weight we mentioned before the error distance decrease from 6.14 to 5.54 meters</a:t>
+            </a:r>
+          </a:p>
+          <a:p>
+            <a:endParaRPr lang="en-US" sz="2000" dirty="0">
+              <a:latin typeface="Helvetica Neue" panose="02000503000000020004" pitchFamily="2" charset="0"/>
+              <a:ea typeface="Helvetica Neue" panose="02000503000000020004" pitchFamily="2" charset="0"/>
+              <a:cs typeface="Helvetica Neue" panose="02000503000000020004" pitchFamily="2" charset="0"/>
+            </a:endParaRPr>
+          </a:p>
+          <a:p>
+            <a:pPr marL="342900" indent="-342900">
+              <a:buFont typeface="Arial" panose="020B0604020202020204" pitchFamily="34" charset="0"/>
+              <a:buChar char="•"/>
+            </a:pPr>
+            <a:r>
+              <a:rPr lang="en-US" sz="2000" dirty="0">
+                <a:latin typeface="Helvetica Neue" panose="02000503000000020004" pitchFamily="2" charset="0"/>
+                <a:ea typeface="Helvetica Neue" panose="02000503000000020004" pitchFamily="2" charset="0"/>
+                <a:cs typeface="Helvetica Neue" panose="02000503000000020004" pitchFamily="2" charset="0"/>
+              </a:rPr>
+              <a:t>By far applying the weight as well as chose k = 4 seems returns the best outcome </a:t>
+            </a:r>
+          </a:p>
+          <a:p>
+            <a:endParaRPr lang="en-US" sz="2000" dirty="0">
+              <a:latin typeface="Helvetica Neue" panose="02000503000000020004" pitchFamily="2" charset="0"/>
+              <a:ea typeface="Helvetica Neue" panose="02000503000000020004" pitchFamily="2" charset="0"/>
+              <a:cs typeface="Helvetica Neue" panose="02000503000000020004" pitchFamily="2" charset="0"/>
+            </a:endParaRPr>
+          </a:p>
+        </p:txBody>
+      </p:sp>
       <p:pic>
         <p:nvPicPr>
-          <p:cNvPr id="4" name="Content Placeholder 3">
+          <p:cNvPr id="6" name="Content Placeholder 3">
             <a:extLst>
               <a:ext uri="{FF2B5EF4-FFF2-40B4-BE49-F238E27FC236}">
-                <a16:creationId xmlns="" xmlns:a16="http://schemas.microsoft.com/office/drawing/2014/main" id="{59C5DA00-E148-2343-95FC-60D868345577}"/>
+                <a16:creationId xmlns:a16="http://schemas.microsoft.com/office/drawing/2014/main" xmlns="" id="{59C5DA00-E148-2343-95FC-60D868345577}"/>
               </a:ext>
             </a:extLst>
           </p:cNvPr>
@@ -11581,77 +11651,6 @@
           </a:prstGeom>
         </p:spPr>
       </p:pic>
-      <p:sp>
-        <p:nvSpPr>
-          <p:cNvPr id="5" name="TextBox 4">
-            <a:extLst>
-              <a:ext uri="{FF2B5EF4-FFF2-40B4-BE49-F238E27FC236}">
-                <a16:creationId xmlns="" xmlns:a16="http://schemas.microsoft.com/office/drawing/2014/main" id="{5A77450D-EE40-5A40-8F97-9AB6B40FDD34}"/>
-              </a:ext>
-            </a:extLst>
-          </p:cNvPr>
-          <p:cNvSpPr txBox="1"/>
-          <p:nvPr/>
-        </p:nvSpPr>
-        <p:spPr>
-          <a:xfrm>
-            <a:off x="704335" y="1690688"/>
-            <a:ext cx="4287794" cy="2862322"/>
-          </a:xfrm>
-          <a:prstGeom prst="rect">
-            <a:avLst/>
-          </a:prstGeom>
-          <a:noFill/>
-        </p:spPr>
-        <p:txBody>
-          <a:bodyPr wrap="square" rtlCol="0">
-            <a:spAutoFit/>
-          </a:bodyPr>
-          <a:lstStyle/>
-          <a:p>
-            <a:pPr marL="342900" indent="-342900">
-              <a:buFont typeface="Arial" panose="020B0604020202020204" pitchFamily="34" charset="0"/>
-              <a:buChar char="•"/>
-            </a:pPr>
-            <a:r>
-              <a:rPr lang="en-US" sz="2000" dirty="0">
-                <a:latin typeface="Helvetica Neue" panose="02000503000000020004" pitchFamily="2" charset="0"/>
-                <a:ea typeface="Helvetica Neue" panose="02000503000000020004" pitchFamily="2" charset="0"/>
-                <a:cs typeface="Helvetica Neue" panose="02000503000000020004" pitchFamily="2" charset="0"/>
-              </a:rPr>
-              <a:t>By Using the weight we mentioned before the error distance decrease from 6.14 to 5.54 meters</a:t>
-            </a:r>
-          </a:p>
-          <a:p>
-            <a:endParaRPr lang="en-US" sz="2000" dirty="0">
-              <a:latin typeface="Helvetica Neue" panose="02000503000000020004" pitchFamily="2" charset="0"/>
-              <a:ea typeface="Helvetica Neue" panose="02000503000000020004" pitchFamily="2" charset="0"/>
-              <a:cs typeface="Helvetica Neue" panose="02000503000000020004" pitchFamily="2" charset="0"/>
-            </a:endParaRPr>
-          </a:p>
-          <a:p>
-            <a:pPr marL="342900" indent="-342900">
-              <a:buFont typeface="Arial" panose="020B0604020202020204" pitchFamily="34" charset="0"/>
-              <a:buChar char="•"/>
-            </a:pPr>
-            <a:r>
-              <a:rPr lang="en-US" sz="2000" dirty="0">
-                <a:latin typeface="Helvetica Neue" panose="02000503000000020004" pitchFamily="2" charset="0"/>
-                <a:ea typeface="Helvetica Neue" panose="02000503000000020004" pitchFamily="2" charset="0"/>
-                <a:cs typeface="Helvetica Neue" panose="02000503000000020004" pitchFamily="2" charset="0"/>
-              </a:rPr>
-              <a:t>By far applying the weight as well as chose k = 4 seems returns the best outcome </a:t>
-            </a:r>
-          </a:p>
-          <a:p>
-            <a:endParaRPr lang="en-US" sz="2000" dirty="0">
-              <a:latin typeface="Helvetica Neue" panose="02000503000000020004" pitchFamily="2" charset="0"/>
-              <a:ea typeface="Helvetica Neue" panose="02000503000000020004" pitchFamily="2" charset="0"/>
-              <a:cs typeface="Helvetica Neue" panose="02000503000000020004" pitchFamily="2" charset="0"/>
-            </a:endParaRPr>
-          </a:p>
-        </p:txBody>
-      </p:sp>
     </p:spTree>
     <p:extLst>
       <p:ext uri="{BB962C8B-B14F-4D97-AF65-F5344CB8AC3E}">
@@ -11694,7 +11693,7 @@
           <p:cNvPr id="2" name="Title 1">
             <a:extLst>
               <a:ext uri="{FF2B5EF4-FFF2-40B4-BE49-F238E27FC236}">
-                <a16:creationId xmlns="" xmlns:a16="http://schemas.microsoft.com/office/drawing/2014/main" id="{9261DB7E-44C4-084F-9D57-29E04A3B36CD}"/>
+                <a16:creationId xmlns:a16="http://schemas.microsoft.com/office/drawing/2014/main" xmlns="" id="{9261DB7E-44C4-084F-9D57-29E04A3B36CD}"/>
               </a:ext>
             </a:extLst>
           </p:cNvPr>
@@ -11739,7 +11738,7 @@
           <p:cNvPr id="3" name="Content Placeholder 2">
             <a:extLst>
               <a:ext uri="{FF2B5EF4-FFF2-40B4-BE49-F238E27FC236}">
-                <a16:creationId xmlns="" xmlns:a16="http://schemas.microsoft.com/office/drawing/2014/main" id="{1010BBE1-8861-F94D-B6F0-777229F73116}"/>
+                <a16:creationId xmlns:a16="http://schemas.microsoft.com/office/drawing/2014/main" xmlns="" id="{1010BBE1-8861-F94D-B6F0-777229F73116}"/>
               </a:ext>
             </a:extLst>
           </p:cNvPr>
@@ -11842,7 +11841,7 @@
           <p:cNvPr id="4" name="Content Placeholder 2">
             <a:extLst>
               <a:ext uri="{FF2B5EF4-FFF2-40B4-BE49-F238E27FC236}">
-                <a16:creationId xmlns="" xmlns:a16="http://schemas.microsoft.com/office/drawing/2014/main" id="{5B697BF6-5492-574B-947C-E6EE38A5BDD9}"/>
+                <a16:creationId xmlns:a16="http://schemas.microsoft.com/office/drawing/2014/main" xmlns="" id="{5B697BF6-5492-574B-947C-E6EE38A5BDD9}"/>
               </a:ext>
             </a:extLst>
           </p:cNvPr>
@@ -12138,7 +12137,7 @@
           <p:cNvPr id="2" name="Title 1">
             <a:extLst>
               <a:ext uri="{FF2B5EF4-FFF2-40B4-BE49-F238E27FC236}">
-                <a16:creationId xmlns="" xmlns:a16="http://schemas.microsoft.com/office/drawing/2014/main" id="{B80129F1-3283-2649-B262-872A93970315}"/>
+                <a16:creationId xmlns:a16="http://schemas.microsoft.com/office/drawing/2014/main" xmlns="" id="{B80129F1-3283-2649-B262-872A93970315}"/>
               </a:ext>
             </a:extLst>
           </p:cNvPr>
@@ -12179,7 +12178,7 @@
           <p:cNvPr id="3" name="Content Placeholder 2">
             <a:extLst>
               <a:ext uri="{FF2B5EF4-FFF2-40B4-BE49-F238E27FC236}">
-                <a16:creationId xmlns="" xmlns:a16="http://schemas.microsoft.com/office/drawing/2014/main" id="{A969F0D0-CFDD-0B43-8E67-812D48ADA02A}"/>
+                <a16:creationId xmlns:a16="http://schemas.microsoft.com/office/drawing/2014/main" xmlns="" id="{A969F0D0-CFDD-0B43-8E67-812D48ADA02A}"/>
               </a:ext>
             </a:extLst>
           </p:cNvPr>
@@ -12308,10 +12307,10 @@
           <p:cNvPr id="11" name="Rectangle 10">
             <a:extLst>
               <a:ext uri="{FF2B5EF4-FFF2-40B4-BE49-F238E27FC236}">
-                <a16:creationId xmlns="" xmlns:a16="http://schemas.microsoft.com/office/drawing/2014/main" id="{559AE206-7EBA-4D33-8BC9-9D8158553F0E}"/>
+                <a16:creationId xmlns:a16="http://schemas.microsoft.com/office/drawing/2014/main" xmlns="" id="{559AE206-7EBA-4D33-8BC9-9D8158553F0E}"/>
               </a:ext>
               <a:ext uri="{C183D7F6-B498-43B3-948B-1728B52AA6E4}">
-                <adec:decorative xmlns="" xmlns:adec="http://schemas.microsoft.com/office/drawing/2017/decorative" val="1"/>
+                <adec:decorative xmlns:adec="http://schemas.microsoft.com/office/drawing/2017/decorative" xmlns="" val="1"/>
               </a:ext>
             </a:extLst>
           </p:cNvPr>
@@ -12397,7 +12396,7 @@
           <p:cNvPr id="2" name="Title 1">
             <a:extLst>
               <a:ext uri="{FF2B5EF4-FFF2-40B4-BE49-F238E27FC236}">
-                <a16:creationId xmlns="" xmlns:a16="http://schemas.microsoft.com/office/drawing/2014/main" id="{DD775157-5AA1-384D-B45C-859A191D6F1D}"/>
+                <a16:creationId xmlns:a16="http://schemas.microsoft.com/office/drawing/2014/main" xmlns="" id="{DD775157-5AA1-384D-B45C-859A191D6F1D}"/>
               </a:ext>
             </a:extLst>
           </p:cNvPr>
@@ -12456,10 +12455,10 @@
           <p:cNvPr id="13" name="Oval 12">
             <a:extLst>
               <a:ext uri="{FF2B5EF4-FFF2-40B4-BE49-F238E27FC236}">
-                <a16:creationId xmlns="" xmlns:a16="http://schemas.microsoft.com/office/drawing/2014/main" id="{6437D937-A7F1-4011-92B4-328E5BE1B166}"/>
+                <a16:creationId xmlns:a16="http://schemas.microsoft.com/office/drawing/2014/main" xmlns="" id="{6437D937-A7F1-4011-92B4-328E5BE1B166}"/>
               </a:ext>
               <a:ext uri="{C183D7F6-B498-43B3-948B-1728B52AA6E4}">
-                <adec:decorative xmlns="" xmlns:adec="http://schemas.microsoft.com/office/drawing/2017/decorative" val="1"/>
+                <adec:decorative xmlns:adec="http://schemas.microsoft.com/office/drawing/2017/decorative" xmlns="" val="1"/>
               </a:ext>
             </a:extLst>
           </p:cNvPr>
@@ -12548,10 +12547,10 @@
           <p:cNvPr id="15" name="Oval 14">
             <a:extLst>
               <a:ext uri="{FF2B5EF4-FFF2-40B4-BE49-F238E27FC236}">
-                <a16:creationId xmlns="" xmlns:a16="http://schemas.microsoft.com/office/drawing/2014/main" id="{B672F332-AF08-46C6-94F0-77684310D7B7}"/>
+                <a16:creationId xmlns:a16="http://schemas.microsoft.com/office/drawing/2014/main" xmlns="" id="{B672F332-AF08-46C6-94F0-77684310D7B7}"/>
               </a:ext>
               <a:ext uri="{C183D7F6-B498-43B3-948B-1728B52AA6E4}">
-                <adec:decorative xmlns="" xmlns:adec="http://schemas.microsoft.com/office/drawing/2017/decorative" val="1"/>
+                <adec:decorative xmlns:adec="http://schemas.microsoft.com/office/drawing/2017/decorative" xmlns="" val="1"/>
               </a:ext>
             </a:extLst>
           </p:cNvPr>
@@ -12640,10 +12639,10 @@
           <p:cNvPr id="17" name="Oval 16">
             <a:extLst>
               <a:ext uri="{FF2B5EF4-FFF2-40B4-BE49-F238E27FC236}">
-                <a16:creationId xmlns="" xmlns:a16="http://schemas.microsoft.com/office/drawing/2014/main" id="{34244EF8-D73A-40E1-BE73-D46E6B4B04ED}"/>
+                <a16:creationId xmlns:a16="http://schemas.microsoft.com/office/drawing/2014/main" xmlns="" id="{34244EF8-D73A-40E1-BE73-D46E6B4B04ED}"/>
               </a:ext>
               <a:ext uri="{C183D7F6-B498-43B3-948B-1728B52AA6E4}">
-                <adec:decorative xmlns="" xmlns:adec="http://schemas.microsoft.com/office/drawing/2017/decorative" val="1"/>
+                <adec:decorative xmlns:adec="http://schemas.microsoft.com/office/drawing/2017/decorative" xmlns="" val="1"/>
               </a:ext>
             </a:extLst>
           </p:cNvPr>
@@ -12732,10 +12731,10 @@
           <p:cNvPr id="19" name="Freeform: Shape 18">
             <a:extLst>
               <a:ext uri="{FF2B5EF4-FFF2-40B4-BE49-F238E27FC236}">
-                <a16:creationId xmlns="" xmlns:a16="http://schemas.microsoft.com/office/drawing/2014/main" id="{AB84D7E8-4ECB-42D7-ADBF-01689B0F24AE}"/>
+                <a16:creationId xmlns:a16="http://schemas.microsoft.com/office/drawing/2014/main" xmlns="" id="{AB84D7E8-4ECB-42D7-ADBF-01689B0F24AE}"/>
               </a:ext>
               <a:ext uri="{C183D7F6-B498-43B3-948B-1728B52AA6E4}">
-                <adec:decorative xmlns="" xmlns:adec="http://schemas.microsoft.com/office/drawing/2017/decorative" val="1"/>
+                <adec:decorative xmlns:adec="http://schemas.microsoft.com/office/drawing/2017/decorative" xmlns="" val="1"/>
               </a:ext>
             </a:extLst>
           </p:cNvPr>
@@ -12887,10 +12886,10 @@
           <p:cNvPr id="21" name="Straight Connector 20">
             <a:extLst>
               <a:ext uri="{FF2B5EF4-FFF2-40B4-BE49-F238E27FC236}">
-                <a16:creationId xmlns="" xmlns:a16="http://schemas.microsoft.com/office/drawing/2014/main" id="{9E8E38ED-369A-44C2-B635-0BED0E48A6E8}"/>
+                <a16:creationId xmlns:a16="http://schemas.microsoft.com/office/drawing/2014/main" xmlns="" id="{9E8E38ED-369A-44C2-B635-0BED0E48A6E8}"/>
               </a:ext>
               <a:ext uri="{C183D7F6-B498-43B3-948B-1728B52AA6E4}">
-                <adec:decorative xmlns="" xmlns:adec="http://schemas.microsoft.com/office/drawing/2017/decorative" val="1"/>
+                <adec:decorative xmlns:adec="http://schemas.microsoft.com/office/drawing/2017/decorative" xmlns="" val="1"/>
               </a:ext>
             </a:extLst>
           </p:cNvPr>
@@ -12939,7 +12938,7 @@
           <p:cNvPr id="6" name="TextBox 5">
             <a:extLst>
               <a:ext uri="{FF2B5EF4-FFF2-40B4-BE49-F238E27FC236}">
-                <a16:creationId xmlns="" xmlns:a16="http://schemas.microsoft.com/office/drawing/2014/main" id="{22B54AF2-355A-C640-94BB-354252E5DA20}"/>
+                <a16:creationId xmlns:a16="http://schemas.microsoft.com/office/drawing/2014/main" xmlns="" id="{22B54AF2-355A-C640-94BB-354252E5DA20}"/>
               </a:ext>
             </a:extLst>
           </p:cNvPr>
@@ -12977,7 +12976,7 @@
                 <a:hlinkClick r:id="rId2" tooltip="http://umaprofessoramaluquinha.com.br/?attachment_id=1237">
                   <a:extLst>
                     <a:ext uri="{A12FA001-AC4F-418D-AE19-62706E023703}">
-                      <ahyp:hlinkClr xmlns="" xmlns:ahyp="http://schemas.microsoft.com/office/drawing/2018/hyperlinkcolor" val="tx"/>
+                      <ahyp:hlinkClr xmlns:ahyp="http://schemas.microsoft.com/office/drawing/2018/hyperlinkcolor" xmlns="" val="tx"/>
                     </a:ext>
                   </a:extLst>
                 </a:hlinkClick>
@@ -13000,7 +12999,7 @@
                 <a:hlinkClick r:id="rId3" tooltip="https://creativecommons.org/licenses/by/3.0/">
                   <a:extLst>
                     <a:ext uri="{A12FA001-AC4F-418D-AE19-62706E023703}">
-                      <ahyp:hlinkClr xmlns="" xmlns:ahyp="http://schemas.microsoft.com/office/drawing/2018/hyperlinkcolor" val="tx"/>
+                      <ahyp:hlinkClr xmlns:ahyp="http://schemas.microsoft.com/office/drawing/2018/hyperlinkcolor" xmlns="" val="tx"/>
                     </a:ext>
                   </a:extLst>
                 </a:hlinkClick>
@@ -13065,10 +13064,10 @@
           <p:cNvPr id="9" name="Freeform: Shape 8">
             <a:extLst>
               <a:ext uri="{FF2B5EF4-FFF2-40B4-BE49-F238E27FC236}">
-                <a16:creationId xmlns="" xmlns:a16="http://schemas.microsoft.com/office/drawing/2014/main" id="{DB66F6E8-4D4A-4907-940A-774703A2D0FE}"/>
+                <a16:creationId xmlns:a16="http://schemas.microsoft.com/office/drawing/2014/main" xmlns="" id="{DB66F6E8-4D4A-4907-940A-774703A2D0FE}"/>
               </a:ext>
               <a:ext uri="{C183D7F6-B498-43B3-948B-1728B52AA6E4}">
-                <adec:decorative xmlns="" xmlns:adec="http://schemas.microsoft.com/office/drawing/2017/decorative" val="1"/>
+                <adec:decorative xmlns:adec="http://schemas.microsoft.com/office/drawing/2017/decorative" xmlns="" val="1"/>
               </a:ext>
             </a:extLst>
           </p:cNvPr>
@@ -13178,10 +13177,10 @@
           <p:cNvPr id="11" name="Freeform: Shape 10">
             <a:extLst>
               <a:ext uri="{FF2B5EF4-FFF2-40B4-BE49-F238E27FC236}">
-                <a16:creationId xmlns="" xmlns:a16="http://schemas.microsoft.com/office/drawing/2014/main" id="{8F1F5A56-E82B-4FD5-9025-B72896FFBB6D}"/>
+                <a16:creationId xmlns:a16="http://schemas.microsoft.com/office/drawing/2014/main" xmlns="" id="{8F1F5A56-E82B-4FD5-9025-B72896FFBB6D}"/>
               </a:ext>
               <a:ext uri="{C183D7F6-B498-43B3-948B-1728B52AA6E4}">
-                <adec:decorative xmlns="" xmlns:adec="http://schemas.microsoft.com/office/drawing/2017/decorative" val="1"/>
+                <adec:decorative xmlns:adec="http://schemas.microsoft.com/office/drawing/2017/decorative" xmlns="" val="1"/>
               </a:ext>
             </a:extLst>
           </p:cNvPr>
@@ -13349,7 +13348,7 @@
           <p:cNvPr id="4" name="内容占位符 3">
             <a:extLst>
               <a:ext uri="{FF2B5EF4-FFF2-40B4-BE49-F238E27FC236}">
-                <a16:creationId xmlns="" xmlns:a16="http://schemas.microsoft.com/office/drawing/2014/main" id="{00000000-0008-0000-0000-000002000000}"/>
+                <a16:creationId xmlns:a16="http://schemas.microsoft.com/office/drawing/2014/main" xmlns="" id="{00000000-0008-0000-0000-000002000000}"/>
               </a:ext>
             </a:extLst>
           </p:cNvPr>
@@ -13380,7 +13379,7 @@
           <p:cNvPr id="7" name="直接连接符 6">
             <a:extLst>
               <a:ext uri="{FF2B5EF4-FFF2-40B4-BE49-F238E27FC236}">
-                <a16:creationId xmlns="" xmlns:a16="http://schemas.microsoft.com/office/drawing/2014/main" id="{AB0C4CE4-42B0-41E0-BBB1-658E840D0B8A}"/>
+                <a16:creationId xmlns:a16="http://schemas.microsoft.com/office/drawing/2014/main" xmlns="" id="{AB0C4CE4-42B0-41E0-BBB1-658E840D0B8A}"/>
               </a:ext>
             </a:extLst>
           </p:cNvPr>
@@ -13424,7 +13423,7 @@
           <p:cNvPr id="8" name="文本框 2">
             <a:extLst>
               <a:ext uri="{FF2B5EF4-FFF2-40B4-BE49-F238E27FC236}">
-                <a16:creationId xmlns="" xmlns:a16="http://schemas.microsoft.com/office/drawing/2014/main" id="{87BFA67E-CCCA-48D4-8C88-A63CF6C3CD66}"/>
+                <a16:creationId xmlns:a16="http://schemas.microsoft.com/office/drawing/2014/main" xmlns="" id="{87BFA67E-CCCA-48D4-8C88-A63CF6C3CD66}"/>
               </a:ext>
             </a:extLst>
           </p:cNvPr>
@@ -13531,10 +13530,10 @@
           <p:cNvPr id="11" name="Rectangle 10">
             <a:extLst>
               <a:ext uri="{FF2B5EF4-FFF2-40B4-BE49-F238E27FC236}">
-                <a16:creationId xmlns="" xmlns:a16="http://schemas.microsoft.com/office/drawing/2014/main" id="{559AE206-7EBA-4D33-8BC9-9D8158553F0E}"/>
+                <a16:creationId xmlns:a16="http://schemas.microsoft.com/office/drawing/2014/main" xmlns="" id="{559AE206-7EBA-4D33-8BC9-9D8158553F0E}"/>
               </a:ext>
               <a:ext uri="{C183D7F6-B498-43B3-948B-1728B52AA6E4}">
-                <adec:decorative xmlns="" xmlns:adec="http://schemas.microsoft.com/office/drawing/2017/decorative" val="1"/>
+                <adec:decorative xmlns:adec="http://schemas.microsoft.com/office/drawing/2017/decorative" xmlns="" val="1"/>
               </a:ext>
             </a:extLst>
           </p:cNvPr>
@@ -13620,7 +13619,7 @@
           <p:cNvPr id="2" name="Title 1">
             <a:extLst>
               <a:ext uri="{FF2B5EF4-FFF2-40B4-BE49-F238E27FC236}">
-                <a16:creationId xmlns="" xmlns:a16="http://schemas.microsoft.com/office/drawing/2014/main" id="{DD775157-5AA1-384D-B45C-859A191D6F1D}"/>
+                <a16:creationId xmlns:a16="http://schemas.microsoft.com/office/drawing/2014/main" xmlns="" id="{DD775157-5AA1-384D-B45C-859A191D6F1D}"/>
               </a:ext>
             </a:extLst>
           </p:cNvPr>
@@ -13667,10 +13666,10 @@
           <p:cNvPr id="13" name="Oval 12">
             <a:extLst>
               <a:ext uri="{FF2B5EF4-FFF2-40B4-BE49-F238E27FC236}">
-                <a16:creationId xmlns="" xmlns:a16="http://schemas.microsoft.com/office/drawing/2014/main" id="{6437D937-A7F1-4011-92B4-328E5BE1B166}"/>
+                <a16:creationId xmlns:a16="http://schemas.microsoft.com/office/drawing/2014/main" xmlns="" id="{6437D937-A7F1-4011-92B4-328E5BE1B166}"/>
               </a:ext>
               <a:ext uri="{C183D7F6-B498-43B3-948B-1728B52AA6E4}">
-                <adec:decorative xmlns="" xmlns:adec="http://schemas.microsoft.com/office/drawing/2017/decorative" val="1"/>
+                <adec:decorative xmlns:adec="http://schemas.microsoft.com/office/drawing/2017/decorative" xmlns="" val="1"/>
               </a:ext>
             </a:extLst>
           </p:cNvPr>
@@ -13759,10 +13758,10 @@
           <p:cNvPr id="15" name="Oval 14">
             <a:extLst>
               <a:ext uri="{FF2B5EF4-FFF2-40B4-BE49-F238E27FC236}">
-                <a16:creationId xmlns="" xmlns:a16="http://schemas.microsoft.com/office/drawing/2014/main" id="{B672F332-AF08-46C6-94F0-77684310D7B7}"/>
+                <a16:creationId xmlns:a16="http://schemas.microsoft.com/office/drawing/2014/main" xmlns="" id="{B672F332-AF08-46C6-94F0-77684310D7B7}"/>
               </a:ext>
               <a:ext uri="{C183D7F6-B498-43B3-948B-1728B52AA6E4}">
-                <adec:decorative xmlns="" xmlns:adec="http://schemas.microsoft.com/office/drawing/2017/decorative" val="1"/>
+                <adec:decorative xmlns:adec="http://schemas.microsoft.com/office/drawing/2017/decorative" xmlns="" val="1"/>
               </a:ext>
             </a:extLst>
           </p:cNvPr>
@@ -13851,10 +13850,10 @@
           <p:cNvPr id="17" name="Oval 16">
             <a:extLst>
               <a:ext uri="{FF2B5EF4-FFF2-40B4-BE49-F238E27FC236}">
-                <a16:creationId xmlns="" xmlns:a16="http://schemas.microsoft.com/office/drawing/2014/main" id="{34244EF8-D73A-40E1-BE73-D46E6B4B04ED}"/>
+                <a16:creationId xmlns:a16="http://schemas.microsoft.com/office/drawing/2014/main" xmlns="" id="{34244EF8-D73A-40E1-BE73-D46E6B4B04ED}"/>
               </a:ext>
               <a:ext uri="{C183D7F6-B498-43B3-948B-1728B52AA6E4}">
-                <adec:decorative xmlns="" xmlns:adec="http://schemas.microsoft.com/office/drawing/2017/decorative" val="1"/>
+                <adec:decorative xmlns:adec="http://schemas.microsoft.com/office/drawing/2017/decorative" xmlns="" val="1"/>
               </a:ext>
             </a:extLst>
           </p:cNvPr>
@@ -13943,10 +13942,10 @@
           <p:cNvPr id="19" name="Freeform: Shape 18">
             <a:extLst>
               <a:ext uri="{FF2B5EF4-FFF2-40B4-BE49-F238E27FC236}">
-                <a16:creationId xmlns="" xmlns:a16="http://schemas.microsoft.com/office/drawing/2014/main" id="{AB84D7E8-4ECB-42D7-ADBF-01689B0F24AE}"/>
+                <a16:creationId xmlns:a16="http://schemas.microsoft.com/office/drawing/2014/main" xmlns="" id="{AB84D7E8-4ECB-42D7-ADBF-01689B0F24AE}"/>
               </a:ext>
               <a:ext uri="{C183D7F6-B498-43B3-948B-1728B52AA6E4}">
-                <adec:decorative xmlns="" xmlns:adec="http://schemas.microsoft.com/office/drawing/2017/decorative" val="1"/>
+                <adec:decorative xmlns:adec="http://schemas.microsoft.com/office/drawing/2017/decorative" xmlns="" val="1"/>
               </a:ext>
             </a:extLst>
           </p:cNvPr>
@@ -14098,10 +14097,10 @@
           <p:cNvPr id="21" name="Straight Connector 20">
             <a:extLst>
               <a:ext uri="{FF2B5EF4-FFF2-40B4-BE49-F238E27FC236}">
-                <a16:creationId xmlns="" xmlns:a16="http://schemas.microsoft.com/office/drawing/2014/main" id="{9E8E38ED-369A-44C2-B635-0BED0E48A6E8}"/>
+                <a16:creationId xmlns:a16="http://schemas.microsoft.com/office/drawing/2014/main" xmlns="" id="{9E8E38ED-369A-44C2-B635-0BED0E48A6E8}"/>
               </a:ext>
               <a:ext uri="{C183D7F6-B498-43B3-948B-1728B52AA6E4}">
-                <adec:decorative xmlns="" xmlns:adec="http://schemas.microsoft.com/office/drawing/2017/decorative" val="1"/>
+                <adec:decorative xmlns:adec="http://schemas.microsoft.com/office/drawing/2017/decorative" xmlns="" val="1"/>
               </a:ext>
             </a:extLst>
           </p:cNvPr>
@@ -14150,7 +14149,7 @@
           <p:cNvPr id="6" name="TextBox 5">
             <a:extLst>
               <a:ext uri="{FF2B5EF4-FFF2-40B4-BE49-F238E27FC236}">
-                <a16:creationId xmlns="" xmlns:a16="http://schemas.microsoft.com/office/drawing/2014/main" id="{22B54AF2-355A-C640-94BB-354252E5DA20}"/>
+                <a16:creationId xmlns:a16="http://schemas.microsoft.com/office/drawing/2014/main" xmlns="" id="{22B54AF2-355A-C640-94BB-354252E5DA20}"/>
               </a:ext>
             </a:extLst>
           </p:cNvPr>
@@ -14188,7 +14187,7 @@
                 <a:hlinkClick r:id="rId2" tooltip="http://umaprofessoramaluquinha.com.br/?attachment_id=1237">
                   <a:extLst>
                     <a:ext uri="{A12FA001-AC4F-418D-AE19-62706E023703}">
-                      <ahyp:hlinkClr xmlns="" xmlns:ahyp="http://schemas.microsoft.com/office/drawing/2018/hyperlinkcolor" val="tx"/>
+                      <ahyp:hlinkClr xmlns:ahyp="http://schemas.microsoft.com/office/drawing/2018/hyperlinkcolor" xmlns="" val="tx"/>
                     </a:ext>
                   </a:extLst>
                 </a:hlinkClick>
@@ -14211,7 +14210,7 @@
                 <a:hlinkClick r:id="rId3" tooltip="https://creativecommons.org/licenses/by/3.0/">
                   <a:extLst>
                     <a:ext uri="{A12FA001-AC4F-418D-AE19-62706E023703}">
-                      <ahyp:hlinkClr xmlns="" xmlns:ahyp="http://schemas.microsoft.com/office/drawing/2018/hyperlinkcolor" val="tx"/>
+                      <ahyp:hlinkClr xmlns:ahyp="http://schemas.microsoft.com/office/drawing/2018/hyperlinkcolor" xmlns="" val="tx"/>
                     </a:ext>
                   </a:extLst>
                 </a:hlinkClick>
@@ -14276,10 +14275,10 @@
           <p:cNvPr id="16" name="Freeform: Shape 9">
             <a:extLst>
               <a:ext uri="{FF2B5EF4-FFF2-40B4-BE49-F238E27FC236}">
-                <a16:creationId xmlns="" xmlns:a16="http://schemas.microsoft.com/office/drawing/2014/main" id="{46C2E80F-49A6-4372-B103-219D417A55ED}"/>
+                <a16:creationId xmlns:a16="http://schemas.microsoft.com/office/drawing/2014/main" xmlns="" id="{46C2E80F-49A6-4372-B103-219D417A55ED}"/>
               </a:ext>
               <a:ext uri="{C183D7F6-B498-43B3-948B-1728B52AA6E4}">
-                <adec:decorative xmlns="" xmlns:adec="http://schemas.microsoft.com/office/drawing/2017/decorative" val="1"/>
+                <adec:decorative xmlns:adec="http://schemas.microsoft.com/office/drawing/2017/decorative" xmlns="" val="1"/>
               </a:ext>
             </a:extLst>
           </p:cNvPr>
@@ -14757,7 +14756,7 @@
           <p:cNvPr id="2" name="标题 1">
             <a:extLst>
               <a:ext uri="{FF2B5EF4-FFF2-40B4-BE49-F238E27FC236}">
-                <a16:creationId xmlns="" xmlns:a16="http://schemas.microsoft.com/office/drawing/2014/main" id="{EB96F098-1AE7-4FB6-999B-C6071E5548D4}"/>
+                <a16:creationId xmlns:a16="http://schemas.microsoft.com/office/drawing/2014/main" xmlns="" id="{EB96F098-1AE7-4FB6-999B-C6071E5548D4}"/>
               </a:ext>
             </a:extLst>
           </p:cNvPr>
@@ -14801,7 +14800,7 @@
           <p:cNvPr id="5" name="内容占位符 2">
             <a:extLst>
               <a:ext uri="{FF2B5EF4-FFF2-40B4-BE49-F238E27FC236}">
-                <a16:creationId xmlns="" xmlns:a16="http://schemas.microsoft.com/office/drawing/2014/main" id="{10A26374-4B1C-45B9-8874-9A4F2E80A9D8}"/>
+                <a16:creationId xmlns:a16="http://schemas.microsoft.com/office/drawing/2014/main" xmlns="" id="{10A26374-4B1C-45B9-8874-9A4F2E80A9D8}"/>
               </a:ext>
             </a:extLst>
           </p:cNvPr>
@@ -14869,7 +14868,7 @@
           <p:cNvPr id="2" name="标题 1">
             <a:extLst>
               <a:ext uri="{FF2B5EF4-FFF2-40B4-BE49-F238E27FC236}">
-                <a16:creationId xmlns="" xmlns:a16="http://schemas.microsoft.com/office/drawing/2014/main" id="{6FBE974E-E76A-4250-8749-81F2263762BF}"/>
+                <a16:creationId xmlns:a16="http://schemas.microsoft.com/office/drawing/2014/main" xmlns="" id="{6FBE974E-E76A-4250-8749-81F2263762BF}"/>
               </a:ext>
             </a:extLst>
           </p:cNvPr>
@@ -14898,7 +14897,7 @@
           <p:cNvPr id="3" name="内容占位符 2">
             <a:extLst>
               <a:ext uri="{FF2B5EF4-FFF2-40B4-BE49-F238E27FC236}">
-                <a16:creationId xmlns="" xmlns:a16="http://schemas.microsoft.com/office/drawing/2014/main" id="{3B9A228A-3D3D-4C00-B1A2-139CA10D9289}"/>
+                <a16:creationId xmlns:a16="http://schemas.microsoft.com/office/drawing/2014/main" xmlns="" id="{3B9A228A-3D3D-4C00-B1A2-139CA10D9289}"/>
               </a:ext>
             </a:extLst>
           </p:cNvPr>
@@ -14923,7 +14922,7 @@
           <p:cNvPr id="18" name="组合 17">
             <a:extLst>
               <a:ext uri="{FF2B5EF4-FFF2-40B4-BE49-F238E27FC236}">
-                <a16:creationId xmlns="" xmlns:a16="http://schemas.microsoft.com/office/drawing/2014/main" id="{459AF89D-E46E-4C06-B76E-271B0091EAEE}"/>
+                <a16:creationId xmlns:a16="http://schemas.microsoft.com/office/drawing/2014/main" xmlns="" id="{459AF89D-E46E-4C06-B76E-271B0091EAEE}"/>
               </a:ext>
             </a:extLst>
           </p:cNvPr>
@@ -14943,7 +14942,7 @@
             <p:cNvPr id="19" name="椭圆 18">
               <a:extLst>
                 <a:ext uri="{FF2B5EF4-FFF2-40B4-BE49-F238E27FC236}">
-                  <a16:creationId xmlns="" xmlns:a16="http://schemas.microsoft.com/office/drawing/2014/main" id="{2AF47829-B268-415D-AEAD-41AEE6139AEB}"/>
+                  <a16:creationId xmlns:a16="http://schemas.microsoft.com/office/drawing/2014/main" xmlns="" id="{2AF47829-B268-415D-AEAD-41AEE6139AEB}"/>
                 </a:ext>
               </a:extLst>
             </p:cNvPr>
@@ -15012,7 +15011,7 @@
             <p:cNvPr id="20" name="椭圆 19">
               <a:extLst>
                 <a:ext uri="{FF2B5EF4-FFF2-40B4-BE49-F238E27FC236}">
-                  <a16:creationId xmlns="" xmlns:a16="http://schemas.microsoft.com/office/drawing/2014/main" id="{B98839A0-DC26-49B0-AAC2-9AF5C7812976}"/>
+                  <a16:creationId xmlns:a16="http://schemas.microsoft.com/office/drawing/2014/main" xmlns="" id="{B98839A0-DC26-49B0-AAC2-9AF5C7812976}"/>
                 </a:ext>
               </a:extLst>
             </p:cNvPr>
@@ -15062,7 +15061,7 @@
             <p:cNvPr id="21" name="椭圆 20">
               <a:extLst>
                 <a:ext uri="{FF2B5EF4-FFF2-40B4-BE49-F238E27FC236}">
-                  <a16:creationId xmlns="" xmlns:a16="http://schemas.microsoft.com/office/drawing/2014/main" id="{5DDBB2C4-7B23-4FC2-88BD-2112505F2632}"/>
+                  <a16:creationId xmlns:a16="http://schemas.microsoft.com/office/drawing/2014/main" xmlns="" id="{5DDBB2C4-7B23-4FC2-88BD-2112505F2632}"/>
                 </a:ext>
               </a:extLst>
             </p:cNvPr>
@@ -15116,7 +15115,7 @@
             <p:cNvPr id="22" name="椭圆 21">
               <a:extLst>
                 <a:ext uri="{FF2B5EF4-FFF2-40B4-BE49-F238E27FC236}">
-                  <a16:creationId xmlns="" xmlns:a16="http://schemas.microsoft.com/office/drawing/2014/main" id="{12EDF1FA-ED22-4D98-B49D-34306B6822D5}"/>
+                  <a16:creationId xmlns:a16="http://schemas.microsoft.com/office/drawing/2014/main" xmlns="" id="{12EDF1FA-ED22-4D98-B49D-34306B6822D5}"/>
                 </a:ext>
               </a:extLst>
             </p:cNvPr>
@@ -15170,7 +15169,7 @@
             <p:cNvPr id="23" name="椭圆 22">
               <a:extLst>
                 <a:ext uri="{FF2B5EF4-FFF2-40B4-BE49-F238E27FC236}">
-                  <a16:creationId xmlns="" xmlns:a16="http://schemas.microsoft.com/office/drawing/2014/main" id="{DFB349E3-F103-48A5-95F6-ACDA54B277E8}"/>
+                  <a16:creationId xmlns:a16="http://schemas.microsoft.com/office/drawing/2014/main" xmlns="" id="{DFB349E3-F103-48A5-95F6-ACDA54B277E8}"/>
                 </a:ext>
               </a:extLst>
             </p:cNvPr>
@@ -15224,7 +15223,7 @@
             <p:cNvPr id="24" name="椭圆 23">
               <a:extLst>
                 <a:ext uri="{FF2B5EF4-FFF2-40B4-BE49-F238E27FC236}">
-                  <a16:creationId xmlns="" xmlns:a16="http://schemas.microsoft.com/office/drawing/2014/main" id="{8A9D2E9D-ADF0-49D9-8C02-E226E1F1535E}"/>
+                  <a16:creationId xmlns:a16="http://schemas.microsoft.com/office/drawing/2014/main" xmlns="" id="{8A9D2E9D-ADF0-49D9-8C02-E226E1F1535E}"/>
                 </a:ext>
               </a:extLst>
             </p:cNvPr>
@@ -15278,7 +15277,7 @@
             <p:cNvPr id="25" name="椭圆 24">
               <a:extLst>
                 <a:ext uri="{FF2B5EF4-FFF2-40B4-BE49-F238E27FC236}">
-                  <a16:creationId xmlns="" xmlns:a16="http://schemas.microsoft.com/office/drawing/2014/main" id="{C17EE380-C57D-4988-BAB8-40D5F128EA92}"/>
+                  <a16:creationId xmlns:a16="http://schemas.microsoft.com/office/drawing/2014/main" xmlns="" id="{C17EE380-C57D-4988-BAB8-40D5F128EA92}"/>
                 </a:ext>
               </a:extLst>
             </p:cNvPr>
@@ -15328,7 +15327,7 @@
             <p:cNvPr id="26" name="椭圆 25">
               <a:extLst>
                 <a:ext uri="{FF2B5EF4-FFF2-40B4-BE49-F238E27FC236}">
-                  <a16:creationId xmlns="" xmlns:a16="http://schemas.microsoft.com/office/drawing/2014/main" id="{9B3279FE-37D1-44A8-899E-2DA8F84D672C}"/>
+                  <a16:creationId xmlns:a16="http://schemas.microsoft.com/office/drawing/2014/main" xmlns="" id="{9B3279FE-37D1-44A8-899E-2DA8F84D672C}"/>
                 </a:ext>
               </a:extLst>
             </p:cNvPr>
@@ -15378,7 +15377,7 @@
             <p:cNvPr id="27" name="文本框 2">
               <a:extLst>
                 <a:ext uri="{FF2B5EF4-FFF2-40B4-BE49-F238E27FC236}">
-                  <a16:creationId xmlns="" xmlns:a16="http://schemas.microsoft.com/office/drawing/2014/main" id="{5C3ABEC4-4436-4721-AB06-EDE0809BEECC}"/>
+                  <a16:creationId xmlns:a16="http://schemas.microsoft.com/office/drawing/2014/main" xmlns="" id="{5C3ABEC4-4436-4721-AB06-EDE0809BEECC}"/>
                 </a:ext>
               </a:extLst>
             </p:cNvPr>
@@ -15437,7 +15436,7 @@
             <p:cNvPr id="28" name="椭圆 27">
               <a:extLst>
                 <a:ext uri="{FF2B5EF4-FFF2-40B4-BE49-F238E27FC236}">
-                  <a16:creationId xmlns="" xmlns:a16="http://schemas.microsoft.com/office/drawing/2014/main" id="{E252D1A3-C7BF-44D9-B6B7-F47E53FD609A}"/>
+                  <a16:creationId xmlns:a16="http://schemas.microsoft.com/office/drawing/2014/main" xmlns="" id="{E252D1A3-C7BF-44D9-B6B7-F47E53FD609A}"/>
                 </a:ext>
               </a:extLst>
             </p:cNvPr>
@@ -15506,7 +15505,7 @@
             <p:cNvPr id="29" name="文本框 2">
               <a:extLst>
                 <a:ext uri="{FF2B5EF4-FFF2-40B4-BE49-F238E27FC236}">
-                  <a16:creationId xmlns="" xmlns:a16="http://schemas.microsoft.com/office/drawing/2014/main" id="{64692BA0-7B08-4F70-8A70-466C2B7CDADB}"/>
+                  <a16:creationId xmlns:a16="http://schemas.microsoft.com/office/drawing/2014/main" xmlns="" id="{64692BA0-7B08-4F70-8A70-466C2B7CDADB}"/>
                 </a:ext>
               </a:extLst>
             </p:cNvPr>
@@ -15565,7 +15564,7 @@
             <p:cNvPr id="30" name="文本框 2">
               <a:extLst>
                 <a:ext uri="{FF2B5EF4-FFF2-40B4-BE49-F238E27FC236}">
-                  <a16:creationId xmlns="" xmlns:a16="http://schemas.microsoft.com/office/drawing/2014/main" id="{D6484BE1-A1CF-4437-9B9C-B4486F77B689}"/>
+                  <a16:creationId xmlns:a16="http://schemas.microsoft.com/office/drawing/2014/main" xmlns="" id="{D6484BE1-A1CF-4437-9B9C-B4486F77B689}"/>
                 </a:ext>
               </a:extLst>
             </p:cNvPr>
@@ -15627,7 +15626,7 @@
             <p:cNvPr id="31" name="文本框 2">
               <a:extLst>
                 <a:ext uri="{FF2B5EF4-FFF2-40B4-BE49-F238E27FC236}">
-                  <a16:creationId xmlns="" xmlns:a16="http://schemas.microsoft.com/office/drawing/2014/main" id="{A1CF3FB0-717F-4AF6-ADD2-8B720D1B3B6D}"/>
+                  <a16:creationId xmlns:a16="http://schemas.microsoft.com/office/drawing/2014/main" xmlns="" id="{A1CF3FB0-717F-4AF6-ADD2-8B720D1B3B6D}"/>
                 </a:ext>
               </a:extLst>
             </p:cNvPr>
@@ -15690,7 +15689,7 @@
           <p:cNvPr id="32" name="椭圆 31">
             <a:extLst>
               <a:ext uri="{FF2B5EF4-FFF2-40B4-BE49-F238E27FC236}">
-                <a16:creationId xmlns="" xmlns:a16="http://schemas.microsoft.com/office/drawing/2014/main" id="{C174CF94-8C59-4881-8872-D0FC108B6E90}"/>
+                <a16:creationId xmlns:a16="http://schemas.microsoft.com/office/drawing/2014/main" xmlns="" id="{C174CF94-8C59-4881-8872-D0FC108B6E90}"/>
               </a:ext>
             </a:extLst>
           </p:cNvPr>
@@ -15740,7 +15739,7 @@
           <p:cNvPr id="33" name="椭圆 32">
             <a:extLst>
               <a:ext uri="{FF2B5EF4-FFF2-40B4-BE49-F238E27FC236}">
-                <a16:creationId xmlns="" xmlns:a16="http://schemas.microsoft.com/office/drawing/2014/main" id="{A0876C01-5D1D-4B7B-A6C4-031DF77D6492}"/>
+                <a16:creationId xmlns:a16="http://schemas.microsoft.com/office/drawing/2014/main" xmlns="" id="{A0876C01-5D1D-4B7B-A6C4-031DF77D6492}"/>
               </a:ext>
             </a:extLst>
           </p:cNvPr>
@@ -15798,7 +15797,7 @@
           <p:cNvPr id="34" name="椭圆 33">
             <a:extLst>
               <a:ext uri="{FF2B5EF4-FFF2-40B4-BE49-F238E27FC236}">
-                <a16:creationId xmlns="" xmlns:a16="http://schemas.microsoft.com/office/drawing/2014/main" id="{C8E26C8B-F15C-4E63-828A-A87881989C88}"/>
+                <a16:creationId xmlns:a16="http://schemas.microsoft.com/office/drawing/2014/main" xmlns="" id="{C8E26C8B-F15C-4E63-828A-A87881989C88}"/>
               </a:ext>
             </a:extLst>
           </p:cNvPr>
@@ -15856,7 +15855,7 @@
           <p:cNvPr id="35" name="文本框 2">
             <a:extLst>
               <a:ext uri="{FF2B5EF4-FFF2-40B4-BE49-F238E27FC236}">
-                <a16:creationId xmlns="" xmlns:a16="http://schemas.microsoft.com/office/drawing/2014/main" id="{2B76B6E6-AD2E-4CE6-AF7F-C805CCE58B4C}"/>
+                <a16:creationId xmlns:a16="http://schemas.microsoft.com/office/drawing/2014/main" xmlns="" id="{2B76B6E6-AD2E-4CE6-AF7F-C805CCE58B4C}"/>
               </a:ext>
             </a:extLst>
           </p:cNvPr>
@@ -15969,10 +15968,10 @@
           <p:cNvPr id="10" name="Freeform: Shape 9">
             <a:extLst>
               <a:ext uri="{FF2B5EF4-FFF2-40B4-BE49-F238E27FC236}">
-                <a16:creationId xmlns="" xmlns:a16="http://schemas.microsoft.com/office/drawing/2014/main" id="{42285737-90EE-47DC-AC80-8AE156B11969}"/>
+                <a16:creationId xmlns:a16="http://schemas.microsoft.com/office/drawing/2014/main" xmlns="" id="{42285737-90EE-47DC-AC80-8AE156B11969}"/>
               </a:ext>
               <a:ext uri="{C183D7F6-B498-43B3-948B-1728B52AA6E4}">
-                <adec:decorative xmlns="" xmlns:adec="http://schemas.microsoft.com/office/drawing/2017/decorative" val="1"/>
+                <adec:decorative xmlns:adec="http://schemas.microsoft.com/office/drawing/2017/decorative" xmlns="" val="1"/>
               </a:ext>
             </a:extLst>
           </p:cNvPr>
@@ -16149,10 +16148,10 @@
           <p:cNvPr id="12" name="Group 11">
             <a:extLst>
               <a:ext uri="{FF2B5EF4-FFF2-40B4-BE49-F238E27FC236}">
-                <a16:creationId xmlns="" xmlns:a16="http://schemas.microsoft.com/office/drawing/2014/main" id="{B57BDC17-F1B3-455F-BBF1-680AA1F25C06}"/>
+                <a16:creationId xmlns:a16="http://schemas.microsoft.com/office/drawing/2014/main" xmlns="" id="{B57BDC17-F1B3-455F-BBF1-680AA1F25C06}"/>
               </a:ext>
               <a:ext uri="{C183D7F6-B498-43B3-948B-1728B52AA6E4}">
-                <adec:decorative xmlns="" xmlns:adec="http://schemas.microsoft.com/office/drawing/2017/decorative" val="1"/>
+                <adec:decorative xmlns:adec="http://schemas.microsoft.com/office/drawing/2017/decorative" xmlns="" val="1"/>
               </a:ext>
             </a:extLst>
           </p:cNvPr>
@@ -16180,10 +16179,10 @@
             <p:cNvPr id="13" name="Freeform 6">
               <a:extLst>
                 <a:ext uri="{FF2B5EF4-FFF2-40B4-BE49-F238E27FC236}">
-                  <a16:creationId xmlns="" xmlns:a16="http://schemas.microsoft.com/office/drawing/2014/main" id="{64E2FA9A-FEF7-4501-B0EB-5E45EDD2177A}"/>
+                  <a16:creationId xmlns:a16="http://schemas.microsoft.com/office/drawing/2014/main" xmlns="" id="{64E2FA9A-FEF7-4501-B0EB-5E45EDD2177A}"/>
                 </a:ext>
                 <a:ext uri="{C183D7F6-B498-43B3-948B-1728B52AA6E4}">
-                  <adec:decorative xmlns="" xmlns:adec="http://schemas.microsoft.com/office/drawing/2017/decorative" val="1"/>
+                  <adec:decorative xmlns:adec="http://schemas.microsoft.com/office/drawing/2017/decorative" xmlns="" val="1"/>
                 </a:ext>
               </a:extLst>
             </p:cNvPr>
@@ -16241,10 +16240,10 @@
             <p:cNvPr id="14" name="Freeform 7">
               <a:extLst>
                 <a:ext uri="{FF2B5EF4-FFF2-40B4-BE49-F238E27FC236}">
-                  <a16:creationId xmlns="" xmlns:a16="http://schemas.microsoft.com/office/drawing/2014/main" id="{BC38192B-B4CB-47D4-A3B1-10010247F158}"/>
+                  <a16:creationId xmlns:a16="http://schemas.microsoft.com/office/drawing/2014/main" xmlns="" id="{BC38192B-B4CB-47D4-A3B1-10010247F158}"/>
                 </a:ext>
                 <a:ext uri="{C183D7F6-B498-43B3-948B-1728B52AA6E4}">
-                  <adec:decorative xmlns="" xmlns:adec="http://schemas.microsoft.com/office/drawing/2017/decorative" val="1"/>
+                  <adec:decorative xmlns:adec="http://schemas.microsoft.com/office/drawing/2017/decorative" xmlns="" val="1"/>
                 </a:ext>
               </a:extLst>
             </p:cNvPr>
@@ -16302,10 +16301,10 @@
             <p:cNvPr id="15" name="Freeform 8">
               <a:extLst>
                 <a:ext uri="{FF2B5EF4-FFF2-40B4-BE49-F238E27FC236}">
-                  <a16:creationId xmlns="" xmlns:a16="http://schemas.microsoft.com/office/drawing/2014/main" id="{96330E33-E171-4B0F-82B5-AF7230399B5C}"/>
+                  <a16:creationId xmlns:a16="http://schemas.microsoft.com/office/drawing/2014/main" xmlns="" id="{96330E33-E171-4B0F-82B5-AF7230399B5C}"/>
                 </a:ext>
                 <a:ext uri="{C183D7F6-B498-43B3-948B-1728B52AA6E4}">
-                  <adec:decorative xmlns="" xmlns:adec="http://schemas.microsoft.com/office/drawing/2017/decorative" val="1"/>
+                  <adec:decorative xmlns:adec="http://schemas.microsoft.com/office/drawing/2017/decorative" xmlns="" val="1"/>
                 </a:ext>
               </a:extLst>
             </p:cNvPr>
@@ -16360,10 +16359,10 @@
             <p:cNvPr id="16" name="Freeform 9">
               <a:extLst>
                 <a:ext uri="{FF2B5EF4-FFF2-40B4-BE49-F238E27FC236}">
-                  <a16:creationId xmlns="" xmlns:a16="http://schemas.microsoft.com/office/drawing/2014/main" id="{332B1723-69BF-42D7-B757-0FA059E15256}"/>
+                  <a16:creationId xmlns:a16="http://schemas.microsoft.com/office/drawing/2014/main" xmlns="" id="{332B1723-69BF-42D7-B757-0FA059E15256}"/>
                 </a:ext>
                 <a:ext uri="{C183D7F6-B498-43B3-948B-1728B52AA6E4}">
-                  <adec:decorative xmlns="" xmlns:adec="http://schemas.microsoft.com/office/drawing/2017/decorative" val="1"/>
+                  <adec:decorative xmlns:adec="http://schemas.microsoft.com/office/drawing/2017/decorative" xmlns="" val="1"/>
                 </a:ext>
               </a:extLst>
             </p:cNvPr>
@@ -16420,10 +16419,10 @@
             <p:cNvPr id="17" name="Freeform 10">
               <a:extLst>
                 <a:ext uri="{FF2B5EF4-FFF2-40B4-BE49-F238E27FC236}">
-                  <a16:creationId xmlns="" xmlns:a16="http://schemas.microsoft.com/office/drawing/2014/main" id="{F115D62D-1E96-48D1-A78D-D370A0BFB9B5}"/>
+                  <a16:creationId xmlns:a16="http://schemas.microsoft.com/office/drawing/2014/main" xmlns="" id="{F115D62D-1E96-48D1-A78D-D370A0BFB9B5}"/>
                 </a:ext>
                 <a:ext uri="{C183D7F6-B498-43B3-948B-1728B52AA6E4}">
-                  <adec:decorative xmlns="" xmlns:adec="http://schemas.microsoft.com/office/drawing/2017/decorative" val="1"/>
+                  <adec:decorative xmlns:adec="http://schemas.microsoft.com/office/drawing/2017/decorative" xmlns="" val="1"/>
                 </a:ext>
               </a:extLst>
             </p:cNvPr>
@@ -16486,10 +16485,10 @@
             <p:cNvPr id="18" name="Freeform 11">
               <a:extLst>
                 <a:ext uri="{FF2B5EF4-FFF2-40B4-BE49-F238E27FC236}">
-                  <a16:creationId xmlns="" xmlns:a16="http://schemas.microsoft.com/office/drawing/2014/main" id="{91C2876A-169D-4822-A766-C00578C88B4B}"/>
+                  <a16:creationId xmlns:a16="http://schemas.microsoft.com/office/drawing/2014/main" xmlns="" id="{91C2876A-169D-4822-A766-C00578C88B4B}"/>
                 </a:ext>
                 <a:ext uri="{C183D7F6-B498-43B3-948B-1728B52AA6E4}">
-                  <adec:decorative xmlns="" xmlns:adec="http://schemas.microsoft.com/office/drawing/2017/decorative" val="1"/>
+                  <adec:decorative xmlns:adec="http://schemas.microsoft.com/office/drawing/2017/decorative" xmlns="" val="1"/>
                 </a:ext>
               </a:extLst>
             </p:cNvPr>
@@ -16563,7 +16562,7 @@
           <p:cNvPr id="2" name="标题 1">
             <a:extLst>
               <a:ext uri="{FF2B5EF4-FFF2-40B4-BE49-F238E27FC236}">
-                <a16:creationId xmlns="" xmlns:a16="http://schemas.microsoft.com/office/drawing/2014/main" id="{F6273AB9-728E-4AFC-A6FB-5080CEDF6800}"/>
+                <a16:creationId xmlns:a16="http://schemas.microsoft.com/office/drawing/2014/main" xmlns="" id="{F6273AB9-728E-4AFC-A6FB-5080CEDF6800}"/>
               </a:ext>
             </a:extLst>
           </p:cNvPr>
@@ -16607,7 +16606,7 @@
           <p:cNvPr id="5" name="内容占位符 2">
             <a:extLst>
               <a:ext uri="{FF2B5EF4-FFF2-40B4-BE49-F238E27FC236}">
-                <a16:creationId xmlns="" xmlns:a16="http://schemas.microsoft.com/office/drawing/2014/main" id="{FFF0274C-3BB3-41E9-9B5A-1F9CAF11F37D}"/>
+                <a16:creationId xmlns:a16="http://schemas.microsoft.com/office/drawing/2014/main" xmlns="" id="{FFF0274C-3BB3-41E9-9B5A-1F9CAF11F37D}"/>
               </a:ext>
             </a:extLst>
           </p:cNvPr>
@@ -16683,10 +16682,10 @@
           <p:cNvPr id="11" name="Rectangle 10">
             <a:extLst>
               <a:ext uri="{FF2B5EF4-FFF2-40B4-BE49-F238E27FC236}">
-                <a16:creationId xmlns="" xmlns:a16="http://schemas.microsoft.com/office/drawing/2014/main" id="{559AE206-7EBA-4D33-8BC9-9D8158553F0E}"/>
+                <a16:creationId xmlns:a16="http://schemas.microsoft.com/office/drawing/2014/main" xmlns="" id="{559AE206-7EBA-4D33-8BC9-9D8158553F0E}"/>
               </a:ext>
               <a:ext uri="{C183D7F6-B498-43B3-948B-1728B52AA6E4}">
-                <adec:decorative xmlns="" xmlns:adec="http://schemas.microsoft.com/office/drawing/2017/decorative" val="1"/>
+                <adec:decorative xmlns:adec="http://schemas.microsoft.com/office/drawing/2017/decorative" xmlns="" val="1"/>
               </a:ext>
             </a:extLst>
           </p:cNvPr>
@@ -16772,10 +16771,10 @@
           <p:cNvPr id="13" name="Oval 12">
             <a:extLst>
               <a:ext uri="{FF2B5EF4-FFF2-40B4-BE49-F238E27FC236}">
-                <a16:creationId xmlns="" xmlns:a16="http://schemas.microsoft.com/office/drawing/2014/main" id="{6437D937-A7F1-4011-92B4-328E5BE1B166}"/>
+                <a16:creationId xmlns:a16="http://schemas.microsoft.com/office/drawing/2014/main" xmlns="" id="{6437D937-A7F1-4011-92B4-328E5BE1B166}"/>
               </a:ext>
               <a:ext uri="{C183D7F6-B498-43B3-948B-1728B52AA6E4}">
-                <adec:decorative xmlns="" xmlns:adec="http://schemas.microsoft.com/office/drawing/2017/decorative" val="1"/>
+                <adec:decorative xmlns:adec="http://schemas.microsoft.com/office/drawing/2017/decorative" xmlns="" val="1"/>
               </a:ext>
             </a:extLst>
           </p:cNvPr>
@@ -16864,10 +16863,10 @@
           <p:cNvPr id="15" name="Oval 14">
             <a:extLst>
               <a:ext uri="{FF2B5EF4-FFF2-40B4-BE49-F238E27FC236}">
-                <a16:creationId xmlns="" xmlns:a16="http://schemas.microsoft.com/office/drawing/2014/main" id="{B672F332-AF08-46C6-94F0-77684310D7B7}"/>
+                <a16:creationId xmlns:a16="http://schemas.microsoft.com/office/drawing/2014/main" xmlns="" id="{B672F332-AF08-46C6-94F0-77684310D7B7}"/>
               </a:ext>
               <a:ext uri="{C183D7F6-B498-43B3-948B-1728B52AA6E4}">
-                <adec:decorative xmlns="" xmlns:adec="http://schemas.microsoft.com/office/drawing/2017/decorative" val="1"/>
+                <adec:decorative xmlns:adec="http://schemas.microsoft.com/office/drawing/2017/decorative" xmlns="" val="1"/>
               </a:ext>
             </a:extLst>
           </p:cNvPr>
@@ -16956,10 +16955,10 @@
           <p:cNvPr id="17" name="Oval 16">
             <a:extLst>
               <a:ext uri="{FF2B5EF4-FFF2-40B4-BE49-F238E27FC236}">
-                <a16:creationId xmlns="" xmlns:a16="http://schemas.microsoft.com/office/drawing/2014/main" id="{34244EF8-D73A-40E1-BE73-D46E6B4B04ED}"/>
+                <a16:creationId xmlns:a16="http://schemas.microsoft.com/office/drawing/2014/main" xmlns="" id="{34244EF8-D73A-40E1-BE73-D46E6B4B04ED}"/>
               </a:ext>
               <a:ext uri="{C183D7F6-B498-43B3-948B-1728B52AA6E4}">
-                <adec:decorative xmlns="" xmlns:adec="http://schemas.microsoft.com/office/drawing/2017/decorative" val="1"/>
+                <adec:decorative xmlns:adec="http://schemas.microsoft.com/office/drawing/2017/decorative" xmlns="" val="1"/>
               </a:ext>
             </a:extLst>
           </p:cNvPr>
@@ -17048,10 +17047,10 @@
           <p:cNvPr id="19" name="Freeform: Shape 18">
             <a:extLst>
               <a:ext uri="{FF2B5EF4-FFF2-40B4-BE49-F238E27FC236}">
-                <a16:creationId xmlns="" xmlns:a16="http://schemas.microsoft.com/office/drawing/2014/main" id="{AB84D7E8-4ECB-42D7-ADBF-01689B0F24AE}"/>
+                <a16:creationId xmlns:a16="http://schemas.microsoft.com/office/drawing/2014/main" xmlns="" id="{AB84D7E8-4ECB-42D7-ADBF-01689B0F24AE}"/>
               </a:ext>
               <a:ext uri="{C183D7F6-B498-43B3-948B-1728B52AA6E4}">
-                <adec:decorative xmlns="" xmlns:adec="http://schemas.microsoft.com/office/drawing/2017/decorative" val="1"/>
+                <adec:decorative xmlns:adec="http://schemas.microsoft.com/office/drawing/2017/decorative" xmlns="" val="1"/>
               </a:ext>
             </a:extLst>
           </p:cNvPr>
@@ -17203,10 +17202,10 @@
           <p:cNvPr id="21" name="Straight Connector 20">
             <a:extLst>
               <a:ext uri="{FF2B5EF4-FFF2-40B4-BE49-F238E27FC236}">
-                <a16:creationId xmlns="" xmlns:a16="http://schemas.microsoft.com/office/drawing/2014/main" id="{9E8E38ED-369A-44C2-B635-0BED0E48A6E8}"/>
+                <a16:creationId xmlns:a16="http://schemas.microsoft.com/office/drawing/2014/main" xmlns="" id="{9E8E38ED-369A-44C2-B635-0BED0E48A6E8}"/>
               </a:ext>
               <a:ext uri="{C183D7F6-B498-43B3-948B-1728B52AA6E4}">
-                <adec:decorative xmlns="" xmlns:adec="http://schemas.microsoft.com/office/drawing/2017/decorative" val="1"/>
+                <adec:decorative xmlns:adec="http://schemas.microsoft.com/office/drawing/2017/decorative" xmlns="" val="1"/>
               </a:ext>
             </a:extLst>
           </p:cNvPr>
@@ -17255,7 +17254,7 @@
           <p:cNvPr id="6" name="TextBox 5">
             <a:extLst>
               <a:ext uri="{FF2B5EF4-FFF2-40B4-BE49-F238E27FC236}">
-                <a16:creationId xmlns="" xmlns:a16="http://schemas.microsoft.com/office/drawing/2014/main" id="{22B54AF2-355A-C640-94BB-354252E5DA20}"/>
+                <a16:creationId xmlns:a16="http://schemas.microsoft.com/office/drawing/2014/main" xmlns="" id="{22B54AF2-355A-C640-94BB-354252E5DA20}"/>
               </a:ext>
             </a:extLst>
           </p:cNvPr>
@@ -17293,7 +17292,7 @@
                 <a:hlinkClick r:id="rId2" tooltip="http://umaprofessoramaluquinha.com.br/?attachment_id=1237">
                   <a:extLst>
                     <a:ext uri="{A12FA001-AC4F-418D-AE19-62706E023703}">
-                      <ahyp:hlinkClr xmlns="" xmlns:ahyp="http://schemas.microsoft.com/office/drawing/2018/hyperlinkcolor" val="tx"/>
+                      <ahyp:hlinkClr xmlns:ahyp="http://schemas.microsoft.com/office/drawing/2018/hyperlinkcolor" xmlns="" val="tx"/>
                     </a:ext>
                   </a:extLst>
                 </a:hlinkClick>
@@ -17316,7 +17315,7 @@
                 <a:hlinkClick r:id="rId3" tooltip="https://creativecommons.org/licenses/by/3.0/">
                   <a:extLst>
                     <a:ext uri="{A12FA001-AC4F-418D-AE19-62706E023703}">
-                      <ahyp:hlinkClr xmlns="" xmlns:ahyp="http://schemas.microsoft.com/office/drawing/2018/hyperlinkcolor" val="tx"/>
+                      <ahyp:hlinkClr xmlns:ahyp="http://schemas.microsoft.com/office/drawing/2018/hyperlinkcolor" xmlns="" val="tx"/>
                     </a:ext>
                   </a:extLst>
                 </a:hlinkClick>
@@ -17336,7 +17335,7 @@
           <p:cNvPr id="10" name="Title 1">
             <a:extLst>
               <a:ext uri="{FF2B5EF4-FFF2-40B4-BE49-F238E27FC236}">
-                <a16:creationId xmlns:a16="http://schemas.microsoft.com/office/drawing/2014/main" xmlns="" id="{DD775157-5AA1-384D-B45C-859A191D6F1D}"/>
+                <a16:creationId xmlns="" xmlns:a16="http://schemas.microsoft.com/office/drawing/2014/main" id="{DD775157-5AA1-384D-B45C-859A191D6F1D}"/>
               </a:ext>
             </a:extLst>
           </p:cNvPr>
@@ -17716,7 +17715,7 @@
             <p:nvPr/>
           </p:nvPicPr>
           <p:blipFill>
-            <a:blip r:embed="rId2">
+            <a:blip r:embed="rId3">
               <a:extLst>
                 <a:ext uri="{28A0092B-C50C-407E-A947-70E740481C1C}">
                   <a14:useLocalDpi xmlns:a14="http://schemas.microsoft.com/office/drawing/2010/main" val="0"/>
@@ -17791,7 +17790,7 @@
             <p:nvPr/>
           </p:nvPicPr>
           <p:blipFill>
-            <a:blip r:embed="rId2">
+            <a:blip r:embed="rId4">
               <a:extLst>
                 <a:ext uri="{28A0092B-C50C-407E-A947-70E740481C1C}">
                   <a14:useLocalDpi xmlns:a14="http://schemas.microsoft.com/office/drawing/2010/main" val="0"/>
@@ -17874,7 +17873,7 @@
             <p:nvPr/>
           </p:nvPicPr>
           <p:blipFill>
-            <a:blip r:embed="rId2">
+            <a:blip r:embed="rId5">
               <a:extLst>
                 <a:ext uri="{28A0092B-C50C-407E-A947-70E740481C1C}">
                   <a14:useLocalDpi xmlns:a14="http://schemas.microsoft.com/office/drawing/2010/main" val="0"/>
@@ -17929,20 +17928,13 @@
     </p:spTree>
     <p:extLst>
       <p:ext uri="{BB962C8B-B14F-4D97-AF65-F5344CB8AC3E}">
-        <p14:creationId xmlns:p14="http://schemas.microsoft.com/office/powerpoint/2010/main" val="313892767"/>
+        <p14:creationId xmlns:p14="http://schemas.microsoft.com/office/powerpoint/2010/main" val="1756251301"/>
       </p:ext>
     </p:extLst>
   </p:cSld>
   <p:clrMapOvr>
     <a:masterClrMapping/>
   </p:clrMapOvr>
-  <p:timing>
-    <p:tnLst>
-      <p:par>
-        <p:cTn id="1" dur="indefinite" restart="never" nodeType="tmRoot"/>
-      </p:par>
-    </p:tnLst>
-  </p:timing>
 </p:sld>
 </file>
 
@@ -18383,79 +18375,20 @@
       </p:grpSp>
       <p:sp>
         <p:nvSpPr>
-          <p:cNvPr id="10" name="文本框 9"/>
-          <p:cNvSpPr txBox="1"/>
+          <p:cNvPr id="10" name="矩形 9"/>
+          <p:cNvSpPr/>
           <p:nvPr/>
         </p:nvSpPr>
         <p:spPr>
           <a:xfrm>
-            <a:off x="7917084" y="4965539"/>
-            <a:ext cx="3599726" cy="369332"/>
+            <a:off x="1157468" y="2569580"/>
+            <a:ext cx="8565266" cy="2031356"/>
           </a:xfrm>
           <a:prstGeom prst="rect">
             <a:avLst/>
           </a:prstGeom>
           <a:noFill/>
-        </p:spPr>
-        <p:txBody>
-          <a:bodyPr wrap="square" rtlCol="0">
-            <a:spAutoFit/>
-          </a:bodyPr>
-          <a:lstStyle/>
-          <a:p>
-            <a:pPr fontAlgn="base"/>
-            <a:r>
-              <a:rPr lang="en-US" altLang="zh-CN" b="1" dirty="0" smtClean="0"/>
-              <a:t>Level</a:t>
-            </a:r>
-            <a:r>
-              <a:rPr lang="zh-CN" altLang="en-US" b="1" dirty="0" smtClean="0"/>
-              <a:t> </a:t>
-            </a:r>
-            <a:r>
-              <a:rPr lang="en-US" altLang="zh-CN" b="1" dirty="0" smtClean="0"/>
-              <a:t>2</a:t>
-            </a:r>
-            <a:r>
-              <a:rPr lang="zh-CN" altLang="en-US" b="1" dirty="0" smtClean="0"/>
-              <a:t> </a:t>
-            </a:r>
-            <a:r>
-              <a:rPr lang="en-US" altLang="zh-CN" b="1" dirty="0" smtClean="0"/>
-              <a:t>Ainsworth </a:t>
-            </a:r>
-            <a:r>
-              <a:rPr lang="en-US" altLang="zh-CN" b="1" dirty="0"/>
-              <a:t>Building </a:t>
-            </a:r>
-            <a:r>
-              <a:rPr lang="en-US" altLang="zh-CN" b="1" dirty="0" smtClean="0"/>
-              <a:t>J17</a:t>
-            </a:r>
-            <a:r>
-              <a:rPr lang="zh-CN" altLang="en-US" b="1" dirty="0" smtClean="0"/>
-              <a:t> </a:t>
-            </a:r>
-            <a:endParaRPr lang="en-US" altLang="zh-CN" b="1" dirty="0"/>
-          </a:p>
-        </p:txBody>
-      </p:sp>
-      <p:sp>
-        <p:nvSpPr>
-          <p:cNvPr id="11" name="矩形 10"/>
-          <p:cNvSpPr/>
-          <p:nvPr/>
-        </p:nvSpPr>
-        <p:spPr>
-          <a:xfrm>
-            <a:off x="1581873" y="2824223"/>
-            <a:ext cx="8106137" cy="1736203"/>
-          </a:xfrm>
-          <a:prstGeom prst="rect">
-            <a:avLst/>
-          </a:prstGeom>
-          <a:noFill/>
-          <a:ln w="63500" cmpd="sng">
+          <a:ln w="47625">
             <a:solidFill>
               <a:srgbClr val="FF0000"/>
             </a:solidFill>
@@ -18486,23 +18419,98 @@
           </a:p>
         </p:txBody>
       </p:sp>
+      <p:sp>
+        <p:nvSpPr>
+          <p:cNvPr id="11" name="矩形 10"/>
+          <p:cNvSpPr/>
+          <p:nvPr/>
+        </p:nvSpPr>
+        <p:spPr>
+          <a:xfrm>
+            <a:off x="8414797" y="4861367"/>
+            <a:ext cx="3152172" cy="520861"/>
+          </a:xfrm>
+          <a:prstGeom prst="rect">
+            <a:avLst/>
+          </a:prstGeom>
+          <a:noFill/>
+          <a:ln>
+            <a:solidFill>
+              <a:srgbClr val="FF0000"/>
+            </a:solidFill>
+          </a:ln>
+        </p:spPr>
+        <p:style>
+          <a:lnRef idx="2">
+            <a:schemeClr val="accent1">
+              <a:shade val="50000"/>
+            </a:schemeClr>
+          </a:lnRef>
+          <a:fillRef idx="1">
+            <a:schemeClr val="accent1"/>
+          </a:fillRef>
+          <a:effectRef idx="0">
+            <a:schemeClr val="accent1"/>
+          </a:effectRef>
+          <a:fontRef idx="minor">
+            <a:schemeClr val="lt1"/>
+          </a:fontRef>
+        </p:style>
+        <p:txBody>
+          <a:bodyPr rtlCol="0" anchor="ctr"/>
+          <a:lstStyle/>
+          <a:p>
+            <a:pPr algn="ctr"/>
+            <a:r>
+              <a:rPr kumimoji="1" lang="en-US" altLang="zh-CN" smtClean="0">
+                <a:solidFill>
+                  <a:srgbClr val="FF0000"/>
+                </a:solidFill>
+              </a:rPr>
+              <a:t>Level2</a:t>
+            </a:r>
+            <a:r>
+              <a:rPr kumimoji="1" lang="zh-CN" altLang="en-US" dirty="0" smtClean="0">
+                <a:solidFill>
+                  <a:srgbClr val="FF0000"/>
+                </a:solidFill>
+              </a:rPr>
+              <a:t> </a:t>
+            </a:r>
+            <a:r>
+              <a:rPr kumimoji="1" lang="en-US" altLang="zh-CN" dirty="0" smtClean="0">
+                <a:solidFill>
+                  <a:srgbClr val="FF0000"/>
+                </a:solidFill>
+              </a:rPr>
+              <a:t>Ainsworth </a:t>
+            </a:r>
+            <a:r>
+              <a:rPr kumimoji="1" lang="en-US" altLang="zh-CN" dirty="0">
+                <a:solidFill>
+                  <a:srgbClr val="FF0000"/>
+                </a:solidFill>
+              </a:rPr>
+              <a:t>Building J17</a:t>
+            </a:r>
+            <a:endParaRPr kumimoji="1" lang="zh-CN" altLang="en-US" dirty="0">
+              <a:solidFill>
+                <a:srgbClr val="FF0000"/>
+              </a:solidFill>
+            </a:endParaRPr>
+          </a:p>
+        </p:txBody>
+      </p:sp>
     </p:spTree>
     <p:extLst>
       <p:ext uri="{BB962C8B-B14F-4D97-AF65-F5344CB8AC3E}">
-        <p14:creationId xmlns:p14="http://schemas.microsoft.com/office/powerpoint/2010/main" val="1375897937"/>
+        <p14:creationId xmlns:p14="http://schemas.microsoft.com/office/powerpoint/2010/main" val="316863963"/>
       </p:ext>
     </p:extLst>
   </p:cSld>
   <p:clrMapOvr>
     <a:masterClrMapping/>
   </p:clrMapOvr>
-  <p:timing>
-    <p:tnLst>
-      <p:par>
-        <p:cTn id="1" dur="indefinite" restart="never" nodeType="tmRoot"/>
-      </p:par>
-    </p:tnLst>
-  </p:timing>
 </p:sld>
 </file>
 
@@ -18528,7 +18536,7 @@
           <p:cNvPr id="2" name="Title 1">
             <a:extLst>
               <a:ext uri="{FF2B5EF4-FFF2-40B4-BE49-F238E27FC236}">
-                <a16:creationId xmlns:a16="http://schemas.microsoft.com/office/drawing/2014/main" xmlns="" id="{590D5C6B-75CD-0845-B759-3C689DD6CB26}"/>
+                <a16:creationId xmlns="" xmlns:a16="http://schemas.microsoft.com/office/drawing/2014/main" id="{590D5C6B-75CD-0845-B759-3C689DD6CB26}"/>
               </a:ext>
             </a:extLst>
           </p:cNvPr>
@@ -19191,7 +19199,6 @@
               <a:rPr kumimoji="1" lang="en-US" altLang="zh-CN" sz="2000" dirty="0" smtClean="0"/>
               <a:t>sensors</a:t>
             </a:r>
-            <a:endParaRPr kumimoji="1" lang="en-US" altLang="zh-CN" sz="2000" dirty="0" smtClean="0"/>
           </a:p>
           <a:p>
             <a:pPr marL="285750" indent="-285750">
@@ -19361,7 +19368,7 @@
           <p:cNvPr id="2" name="Title 1">
             <a:extLst>
               <a:ext uri="{FF2B5EF4-FFF2-40B4-BE49-F238E27FC236}">
-                <a16:creationId xmlns:a16="http://schemas.microsoft.com/office/drawing/2014/main" xmlns="" id="{590D5C6B-75CD-0845-B759-3C689DD6CB26}"/>
+                <a16:creationId xmlns="" xmlns:a16="http://schemas.microsoft.com/office/drawing/2014/main" id="{590D5C6B-75CD-0845-B759-3C689DD6CB26}"/>
               </a:ext>
             </a:extLst>
           </p:cNvPr>
@@ -19615,7 +19622,6 @@
               <a:rPr kumimoji="1" lang="en-US" altLang="zh-CN" sz="2000" dirty="0" smtClean="0"/>
               <a:t>values.</a:t>
             </a:r>
-            <a:endParaRPr kumimoji="1" lang="en-US" altLang="zh-CN" sz="2000" dirty="0" smtClean="0"/>
           </a:p>
           <a:p>
             <a:pPr marL="342900" indent="-342900">
@@ -20003,7 +20009,6 @@
               <a:rPr kumimoji="1" lang="en-US" altLang="zh-CN" dirty="0" smtClean="0"/>
               <a:t>fluctuation.</a:t>
             </a:r>
-            <a:endParaRPr kumimoji="1" lang="en-US" altLang="zh-CN" dirty="0" smtClean="0"/>
           </a:p>
           <a:p>
             <a:r>
@@ -20166,10 +20171,10 @@
           <p:cNvPr id="11" name="Rectangle 10">
             <a:extLst>
               <a:ext uri="{FF2B5EF4-FFF2-40B4-BE49-F238E27FC236}">
-                <a16:creationId xmlns="" xmlns:a16="http://schemas.microsoft.com/office/drawing/2014/main" id="{559AE206-7EBA-4D33-8BC9-9D8158553F0E}"/>
+                <a16:creationId xmlns:a16="http://schemas.microsoft.com/office/drawing/2014/main" xmlns="" id="{559AE206-7EBA-4D33-8BC9-9D8158553F0E}"/>
               </a:ext>
               <a:ext uri="{C183D7F6-B498-43B3-948B-1728B52AA6E4}">
-                <adec:decorative xmlns="" xmlns:adec="http://schemas.microsoft.com/office/drawing/2017/decorative" val="1"/>
+                <adec:decorative xmlns:adec="http://schemas.microsoft.com/office/drawing/2017/decorative" xmlns="" val="1"/>
               </a:ext>
             </a:extLst>
           </p:cNvPr>
@@ -20255,7 +20260,7 @@
           <p:cNvPr id="2" name="Title 1">
             <a:extLst>
               <a:ext uri="{FF2B5EF4-FFF2-40B4-BE49-F238E27FC236}">
-                <a16:creationId xmlns="" xmlns:a16="http://schemas.microsoft.com/office/drawing/2014/main" id="{DD775157-5AA1-384D-B45C-859A191D6F1D}"/>
+                <a16:creationId xmlns:a16="http://schemas.microsoft.com/office/drawing/2014/main" xmlns="" id="{DD775157-5AA1-384D-B45C-859A191D6F1D}"/>
               </a:ext>
             </a:extLst>
           </p:cNvPr>
@@ -20298,10 +20303,10 @@
           <p:cNvPr id="13" name="Oval 12">
             <a:extLst>
               <a:ext uri="{FF2B5EF4-FFF2-40B4-BE49-F238E27FC236}">
-                <a16:creationId xmlns="" xmlns:a16="http://schemas.microsoft.com/office/drawing/2014/main" id="{6437D937-A7F1-4011-92B4-328E5BE1B166}"/>
+                <a16:creationId xmlns:a16="http://schemas.microsoft.com/office/drawing/2014/main" xmlns="" id="{6437D937-A7F1-4011-92B4-328E5BE1B166}"/>
               </a:ext>
               <a:ext uri="{C183D7F6-B498-43B3-948B-1728B52AA6E4}">
-                <adec:decorative xmlns="" xmlns:adec="http://schemas.microsoft.com/office/drawing/2017/decorative" val="1"/>
+                <adec:decorative xmlns:adec="http://schemas.microsoft.com/office/drawing/2017/decorative" xmlns="" val="1"/>
               </a:ext>
             </a:extLst>
           </p:cNvPr>
@@ -20390,10 +20395,10 @@
           <p:cNvPr id="15" name="Oval 14">
             <a:extLst>
               <a:ext uri="{FF2B5EF4-FFF2-40B4-BE49-F238E27FC236}">
-                <a16:creationId xmlns="" xmlns:a16="http://schemas.microsoft.com/office/drawing/2014/main" id="{B672F332-AF08-46C6-94F0-77684310D7B7}"/>
+                <a16:creationId xmlns:a16="http://schemas.microsoft.com/office/drawing/2014/main" xmlns="" id="{B672F332-AF08-46C6-94F0-77684310D7B7}"/>
               </a:ext>
               <a:ext uri="{C183D7F6-B498-43B3-948B-1728B52AA6E4}">
-                <adec:decorative xmlns="" xmlns:adec="http://schemas.microsoft.com/office/drawing/2017/decorative" val="1"/>
+                <adec:decorative xmlns:adec="http://schemas.microsoft.com/office/drawing/2017/decorative" xmlns="" val="1"/>
               </a:ext>
             </a:extLst>
           </p:cNvPr>
@@ -20482,10 +20487,10 @@
           <p:cNvPr id="17" name="Oval 16">
             <a:extLst>
               <a:ext uri="{FF2B5EF4-FFF2-40B4-BE49-F238E27FC236}">
-                <a16:creationId xmlns="" xmlns:a16="http://schemas.microsoft.com/office/drawing/2014/main" id="{34244EF8-D73A-40E1-BE73-D46E6B4B04ED}"/>
+                <a16:creationId xmlns:a16="http://schemas.microsoft.com/office/drawing/2014/main" xmlns="" id="{34244EF8-D73A-40E1-BE73-D46E6B4B04ED}"/>
               </a:ext>
               <a:ext uri="{C183D7F6-B498-43B3-948B-1728B52AA6E4}">
-                <adec:decorative xmlns="" xmlns:adec="http://schemas.microsoft.com/office/drawing/2017/decorative" val="1"/>
+                <adec:decorative xmlns:adec="http://schemas.microsoft.com/office/drawing/2017/decorative" xmlns="" val="1"/>
               </a:ext>
             </a:extLst>
           </p:cNvPr>
@@ -20574,10 +20579,10 @@
           <p:cNvPr id="19" name="Freeform: Shape 18">
             <a:extLst>
               <a:ext uri="{FF2B5EF4-FFF2-40B4-BE49-F238E27FC236}">
-                <a16:creationId xmlns="" xmlns:a16="http://schemas.microsoft.com/office/drawing/2014/main" id="{AB84D7E8-4ECB-42D7-ADBF-01689B0F24AE}"/>
+                <a16:creationId xmlns:a16="http://schemas.microsoft.com/office/drawing/2014/main" xmlns="" id="{AB84D7E8-4ECB-42D7-ADBF-01689B0F24AE}"/>
               </a:ext>
               <a:ext uri="{C183D7F6-B498-43B3-948B-1728B52AA6E4}">
-                <adec:decorative xmlns="" xmlns:adec="http://schemas.microsoft.com/office/drawing/2017/decorative" val="1"/>
+                <adec:decorative xmlns:adec="http://schemas.microsoft.com/office/drawing/2017/decorative" xmlns="" val="1"/>
               </a:ext>
             </a:extLst>
           </p:cNvPr>
@@ -20729,10 +20734,10 @@
           <p:cNvPr id="21" name="Straight Connector 20">
             <a:extLst>
               <a:ext uri="{FF2B5EF4-FFF2-40B4-BE49-F238E27FC236}">
-                <a16:creationId xmlns="" xmlns:a16="http://schemas.microsoft.com/office/drawing/2014/main" id="{9E8E38ED-369A-44C2-B635-0BED0E48A6E8}"/>
+                <a16:creationId xmlns:a16="http://schemas.microsoft.com/office/drawing/2014/main" xmlns="" id="{9E8E38ED-369A-44C2-B635-0BED0E48A6E8}"/>
               </a:ext>
               <a:ext uri="{C183D7F6-B498-43B3-948B-1728B52AA6E4}">
-                <adec:decorative xmlns="" xmlns:adec="http://schemas.microsoft.com/office/drawing/2017/decorative" val="1"/>
+                <adec:decorative xmlns:adec="http://schemas.microsoft.com/office/drawing/2017/decorative" xmlns="" val="1"/>
               </a:ext>
             </a:extLst>
           </p:cNvPr>
@@ -20781,7 +20786,7 @@
           <p:cNvPr id="6" name="TextBox 5">
             <a:extLst>
               <a:ext uri="{FF2B5EF4-FFF2-40B4-BE49-F238E27FC236}">
-                <a16:creationId xmlns="" xmlns:a16="http://schemas.microsoft.com/office/drawing/2014/main" id="{22B54AF2-355A-C640-94BB-354252E5DA20}"/>
+                <a16:creationId xmlns:a16="http://schemas.microsoft.com/office/drawing/2014/main" xmlns="" id="{22B54AF2-355A-C640-94BB-354252E5DA20}"/>
               </a:ext>
             </a:extLst>
           </p:cNvPr>
@@ -20819,7 +20824,7 @@
                 <a:hlinkClick r:id="rId2" tooltip="http://umaprofessoramaluquinha.com.br/?attachment_id=1237">
                   <a:extLst>
                     <a:ext uri="{A12FA001-AC4F-418D-AE19-62706E023703}">
-                      <ahyp:hlinkClr xmlns="" xmlns:ahyp="http://schemas.microsoft.com/office/drawing/2018/hyperlinkcolor" val="tx"/>
+                      <ahyp:hlinkClr xmlns:ahyp="http://schemas.microsoft.com/office/drawing/2018/hyperlinkcolor" xmlns="" val="tx"/>
                     </a:ext>
                   </a:extLst>
                 </a:hlinkClick>
@@ -20842,7 +20847,7 @@
                 <a:hlinkClick r:id="rId3" tooltip="https://creativecommons.org/licenses/by/3.0/">
                   <a:extLst>
                     <a:ext uri="{A12FA001-AC4F-418D-AE19-62706E023703}">
-                      <ahyp:hlinkClr xmlns="" xmlns:ahyp="http://schemas.microsoft.com/office/drawing/2018/hyperlinkcolor" val="tx"/>
+                      <ahyp:hlinkClr xmlns:ahyp="http://schemas.microsoft.com/office/drawing/2018/hyperlinkcolor" xmlns="" val="tx"/>
                     </a:ext>
                   </a:extLst>
                 </a:hlinkClick>
@@ -20899,7 +20904,7 @@
           <p:cNvPr id="2" name="Title 1">
             <a:extLst>
               <a:ext uri="{FF2B5EF4-FFF2-40B4-BE49-F238E27FC236}">
-                <a16:creationId xmlns="" xmlns:a16="http://schemas.microsoft.com/office/drawing/2014/main" id="{590D5C6B-75CD-0845-B759-3C689DD6CB26}"/>
+                <a16:creationId xmlns:a16="http://schemas.microsoft.com/office/drawing/2014/main" xmlns="" id="{590D5C6B-75CD-0845-B759-3C689DD6CB26}"/>
               </a:ext>
             </a:extLst>
           </p:cNvPr>
@@ -20931,44 +20936,12 @@
           </a:p>
         </p:txBody>
       </p:sp>
-      <p:pic>
-        <p:nvPicPr>
-          <p:cNvPr id="4" name="Content Placeholder 3">
-            <a:extLst>
-              <a:ext uri="{FF2B5EF4-FFF2-40B4-BE49-F238E27FC236}">
-                <a16:creationId xmlns="" xmlns:a16="http://schemas.microsoft.com/office/drawing/2014/main" id="{EBDE50FA-51BE-6A4C-8EEB-72EA6F12B77E}"/>
-              </a:ext>
-            </a:extLst>
-          </p:cNvPr>
-          <p:cNvPicPr>
-            <a:picLocks noGrp="1" noChangeAspect="1"/>
-          </p:cNvPicPr>
-          <p:nvPr>
-            <p:ph idx="1"/>
-          </p:nvPr>
-        </p:nvPicPr>
-        <p:blipFill>
-          <a:blip r:embed="rId2"/>
-          <a:stretch>
-            <a:fillRect/>
-          </a:stretch>
-        </p:blipFill>
-        <p:spPr>
-          <a:xfrm>
-            <a:off x="6339261" y="1690688"/>
-            <a:ext cx="4233754" cy="3783355"/>
-          </a:xfrm>
-          <a:prstGeom prst="rect">
-            <a:avLst/>
-          </a:prstGeom>
-        </p:spPr>
-      </p:pic>
       <p:sp>
         <p:nvSpPr>
           <p:cNvPr id="8" name="TextBox 7">
             <a:extLst>
               <a:ext uri="{FF2B5EF4-FFF2-40B4-BE49-F238E27FC236}">
-                <a16:creationId xmlns="" xmlns:a16="http://schemas.microsoft.com/office/drawing/2014/main" id="{F10C63F9-D33B-814C-BF3D-52022FDE63A9}"/>
+                <a16:creationId xmlns:a16="http://schemas.microsoft.com/office/drawing/2014/main" xmlns="" id="{F10C63F9-D33B-814C-BF3D-52022FDE63A9}"/>
               </a:ext>
             </a:extLst>
           </p:cNvPr>
@@ -21077,6 +21050,36 @@
           </a:p>
         </p:txBody>
       </p:sp>
+      <p:pic>
+        <p:nvPicPr>
+          <p:cNvPr id="5" name="Content Placeholder 3">
+            <a:extLst>
+              <a:ext uri="{FF2B5EF4-FFF2-40B4-BE49-F238E27FC236}">
+                <a16:creationId xmlns:a16="http://schemas.microsoft.com/office/drawing/2014/main" xmlns="" id="{EBDE50FA-51BE-6A4C-8EEB-72EA6F12B77E}"/>
+              </a:ext>
+            </a:extLst>
+          </p:cNvPr>
+          <p:cNvPicPr>
+            <a:picLocks noChangeAspect="1"/>
+          </p:cNvPicPr>
+          <p:nvPr/>
+        </p:nvPicPr>
+        <p:blipFill>
+          <a:blip r:embed="rId2"/>
+          <a:stretch>
+            <a:fillRect/>
+          </a:stretch>
+        </p:blipFill>
+        <p:spPr>
+          <a:xfrm>
+            <a:off x="6410638" y="1495848"/>
+            <a:ext cx="4233754" cy="3783355"/>
+          </a:xfrm>
+          <a:prstGeom prst="rect">
+            <a:avLst/>
+          </a:prstGeom>
+        </p:spPr>
+      </p:pic>
     </p:spTree>
     <p:extLst>
       <p:ext uri="{BB962C8B-B14F-4D97-AF65-F5344CB8AC3E}">
@@ -21119,7 +21122,7 @@
           <p:cNvPr id="2" name="Title 1">
             <a:extLst>
               <a:ext uri="{FF2B5EF4-FFF2-40B4-BE49-F238E27FC236}">
-                <a16:creationId xmlns="" xmlns:a16="http://schemas.microsoft.com/office/drawing/2014/main" id="{CC296259-EE03-7D4E-8B63-9613F9AEAB06}"/>
+                <a16:creationId xmlns:a16="http://schemas.microsoft.com/office/drawing/2014/main" xmlns="" id="{CC296259-EE03-7D4E-8B63-9613F9AEAB06}"/>
               </a:ext>
             </a:extLst>
           </p:cNvPr>
@@ -21159,12 +21162,51 @@
           </a:p>
         </p:txBody>
       </p:sp>
+      <p:sp>
+        <p:nvSpPr>
+          <p:cNvPr id="5" name="TextBox 4">
+            <a:extLst>
+              <a:ext uri="{FF2B5EF4-FFF2-40B4-BE49-F238E27FC236}">
+                <a16:creationId xmlns:a16="http://schemas.microsoft.com/office/drawing/2014/main" xmlns="" id="{153F35BB-45FF-944D-B91E-D69EAF8BBE29}"/>
+              </a:ext>
+            </a:extLst>
+          </p:cNvPr>
+          <p:cNvSpPr txBox="1"/>
+          <p:nvPr/>
+        </p:nvSpPr>
+        <p:spPr>
+          <a:xfrm>
+            <a:off x="838200" y="1567120"/>
+            <a:ext cx="7179275" cy="400110"/>
+          </a:xfrm>
+          <a:prstGeom prst="rect">
+            <a:avLst/>
+          </a:prstGeom>
+          <a:noFill/>
+        </p:spPr>
+        <p:txBody>
+          <a:bodyPr wrap="square" rtlCol="0">
+            <a:spAutoFit/>
+          </a:bodyPr>
+          <a:lstStyle/>
+          <a:p>
+            <a:r>
+              <a:rPr lang="en-AU" sz="2000" dirty="0">
+                <a:latin typeface="Helvetica Neue" panose="02000503000000020004" pitchFamily="2" charset="0"/>
+                <a:ea typeface="Helvetica Neue" panose="02000503000000020004" pitchFamily="2" charset="0"/>
+                <a:cs typeface="Helvetica Neue" panose="02000503000000020004" pitchFamily="2" charset="0"/>
+              </a:rPr>
+              <a:t>s1, s2, s3, s4, s5, x, y, w1, w2, w3, w4, w5</a:t>
+            </a:r>
+          </a:p>
+        </p:txBody>
+      </p:sp>
       <p:pic>
         <p:nvPicPr>
-          <p:cNvPr id="4" name="Content Placeholder 3">
+          <p:cNvPr id="6" name="Content Placeholder 3">
             <a:extLst>
               <a:ext uri="{FF2B5EF4-FFF2-40B4-BE49-F238E27FC236}">
-                <a16:creationId xmlns="" xmlns:a16="http://schemas.microsoft.com/office/drawing/2014/main" id="{85674701-A94F-5D4D-BD65-F276E5117184}"/>
+                <a16:creationId xmlns:a16="http://schemas.microsoft.com/office/drawing/2014/main" xmlns="" id="{85674701-A94F-5D4D-BD65-F276E5117184}"/>
               </a:ext>
             </a:extLst>
           </p:cNvPr>
@@ -21191,45 +21233,6 @@
           </a:prstGeom>
         </p:spPr>
       </p:pic>
-      <p:sp>
-        <p:nvSpPr>
-          <p:cNvPr id="5" name="TextBox 4">
-            <a:extLst>
-              <a:ext uri="{FF2B5EF4-FFF2-40B4-BE49-F238E27FC236}">
-                <a16:creationId xmlns="" xmlns:a16="http://schemas.microsoft.com/office/drawing/2014/main" id="{153F35BB-45FF-944D-B91E-D69EAF8BBE29}"/>
-              </a:ext>
-            </a:extLst>
-          </p:cNvPr>
-          <p:cNvSpPr txBox="1"/>
-          <p:nvPr/>
-        </p:nvSpPr>
-        <p:spPr>
-          <a:xfrm>
-            <a:off x="838200" y="1567120"/>
-            <a:ext cx="7179275" cy="400110"/>
-          </a:xfrm>
-          <a:prstGeom prst="rect">
-            <a:avLst/>
-          </a:prstGeom>
-          <a:noFill/>
-        </p:spPr>
-        <p:txBody>
-          <a:bodyPr wrap="square" rtlCol="0">
-            <a:spAutoFit/>
-          </a:bodyPr>
-          <a:lstStyle/>
-          <a:p>
-            <a:r>
-              <a:rPr lang="en-AU" sz="2000" dirty="0">
-                <a:latin typeface="Helvetica Neue" panose="02000503000000020004" pitchFamily="2" charset="0"/>
-                <a:ea typeface="Helvetica Neue" panose="02000503000000020004" pitchFamily="2" charset="0"/>
-                <a:cs typeface="Helvetica Neue" panose="02000503000000020004" pitchFamily="2" charset="0"/>
-              </a:rPr>
-              <a:t>s1, s2, s3, s4, s5, x, y, w1, w2, w3, w4, w5</a:t>
-            </a:r>
-          </a:p>
-        </p:txBody>
-      </p:sp>
     </p:spTree>
     <p:extLst>
       <p:ext uri="{BB962C8B-B14F-4D97-AF65-F5344CB8AC3E}">
